--- a/SilverSurferVerslag/Presentatie Eind/Presentatie eindverslag - team zilver v.Sophie.pptx
+++ b/SilverSurferVerslag/Presentatie Eind/Presentatie eindverslag - team zilver v.Sophie.pptx
@@ -367,7 +367,7 @@
                 <a:tabLst/>
                 <a:defRPr sz="1400"/>
               </a:pPr>
-              <a:t>‹#›</a:t>
+              <a:t>‹nr.›</a:t>
             </a:fld>
             <a:endParaRPr lang="en-US" sz="1400" b="0" i="0" u="none" strike="noStrike" kern="1200">
               <a:ln>
@@ -383,7 +383,7 @@
     </p:spTree>
     <p:extLst>
       <p:ext uri="{BB962C8B-B14F-4D97-AF65-F5344CB8AC3E}">
-        <p14:creationId xmlns:p14="http://schemas.microsoft.com/office/powerpoint/2010/main" xmlns="" val="1868310962"/>
+        <p14:creationId xmlns="" xmlns:p14="http://schemas.microsoft.com/office/powerpoint/2010/main" val="1868310962"/>
       </p:ext>
     </p:extLst>
   </p:cSld>
@@ -636,7 +636,7 @@
             <a:fld id="{2F3952A1-4438-4C7B-8025-49CCB15C38D9}" type="slidenum">
               <a:rPr/>
               <a:pPr lvl="0"/>
-              <a:t>‹#›</a:t>
+              <a:t>‹nr.›</a:t>
             </a:fld>
             <a:endParaRPr lang="en-US"/>
           </a:p>
@@ -645,7 +645,7 @@
     </p:spTree>
     <p:extLst>
       <p:ext uri="{BB962C8B-B14F-4D97-AF65-F5344CB8AC3E}">
-        <p14:creationId xmlns:p14="http://schemas.microsoft.com/office/powerpoint/2010/main" xmlns="" val="3152010634"/>
+        <p14:creationId xmlns="" xmlns:p14="http://schemas.microsoft.com/office/powerpoint/2010/main" val="3152010634"/>
       </p:ext>
     </p:extLst>
   </p:cSld>
@@ -5455,7 +5455,7 @@
             <a:fld id="{85E182A8-BB1C-4737-812A-2AEEF51B8EB8}" type="slidenum">
               <a:rPr/>
               <a:pPr lvl="0"/>
-              <a:t>‹#›</a:t>
+              <a:t>‹nr.›</a:t>
             </a:fld>
             <a:endParaRPr lang="en-US"/>
           </a:p>
@@ -5464,7 +5464,7 @@
     </p:spTree>
     <p:extLst>
       <p:ext uri="{BB962C8B-B14F-4D97-AF65-F5344CB8AC3E}">
-        <p14:creationId xmlns:p14="http://schemas.microsoft.com/office/powerpoint/2010/main" xmlns="" val="4282009968"/>
+        <p14:creationId xmlns="" xmlns:p14="http://schemas.microsoft.com/office/powerpoint/2010/main" val="4282009968"/>
       </p:ext>
     </p:extLst>
   </p:cSld>
@@ -5472,7 +5472,7 @@
     <a:masterClrMapping/>
   </p:clrMapOvr>
   <mc:AlternateContent xmlns:mc="http://schemas.openxmlformats.org/markup-compatibility/2006">
-    <mc:Choice xmlns:p14="http://schemas.microsoft.com/office/powerpoint/2010/main" xmlns="" Requires="p14">
+    <mc:Choice xmlns="" xmlns:p14="http://schemas.microsoft.com/office/powerpoint/2010/main" Requires="p14">
       <p:transition spd="med" p14:dur="700">
         <p:fade/>
       </p:transition>
@@ -5637,7 +5637,7 @@
             <a:fld id="{07A285E7-DF0B-4A79-A2D2-2AC339DE23CE}" type="slidenum">
               <a:rPr/>
               <a:pPr lvl="0"/>
-              <a:t>‹#›</a:t>
+              <a:t>‹nr.›</a:t>
             </a:fld>
             <a:endParaRPr lang="en-US"/>
           </a:p>
@@ -5646,7 +5646,7 @@
     </p:spTree>
     <p:extLst>
       <p:ext uri="{BB962C8B-B14F-4D97-AF65-F5344CB8AC3E}">
-        <p14:creationId xmlns:p14="http://schemas.microsoft.com/office/powerpoint/2010/main" xmlns="" val="1152365486"/>
+        <p14:creationId xmlns="" xmlns:p14="http://schemas.microsoft.com/office/powerpoint/2010/main" val="1152365486"/>
       </p:ext>
     </p:extLst>
   </p:cSld>
@@ -5654,7 +5654,7 @@
     <a:masterClrMapping/>
   </p:clrMapOvr>
   <mc:AlternateContent xmlns:mc="http://schemas.openxmlformats.org/markup-compatibility/2006">
-    <mc:Choice xmlns:p14="http://schemas.microsoft.com/office/powerpoint/2010/main" xmlns="" Requires="p14">
+    <mc:Choice xmlns="" xmlns:p14="http://schemas.microsoft.com/office/powerpoint/2010/main" Requires="p14">
       <p:transition spd="med" p14:dur="700">
         <p:fade/>
       </p:transition>
@@ -5829,7 +5829,7 @@
             <a:fld id="{1E261877-EE28-425F-9A75-25634CF7C540}" type="slidenum">
               <a:rPr/>
               <a:pPr lvl="0"/>
-              <a:t>‹#›</a:t>
+              <a:t>‹nr.›</a:t>
             </a:fld>
             <a:endParaRPr lang="en-US"/>
           </a:p>
@@ -5838,7 +5838,7 @@
     </p:spTree>
     <p:extLst>
       <p:ext uri="{BB962C8B-B14F-4D97-AF65-F5344CB8AC3E}">
-        <p14:creationId xmlns:p14="http://schemas.microsoft.com/office/powerpoint/2010/main" xmlns="" val="72821763"/>
+        <p14:creationId xmlns="" xmlns:p14="http://schemas.microsoft.com/office/powerpoint/2010/main" val="72821763"/>
       </p:ext>
     </p:extLst>
   </p:cSld>
@@ -5846,7 +5846,7 @@
     <a:masterClrMapping/>
   </p:clrMapOvr>
   <mc:AlternateContent xmlns:mc="http://schemas.openxmlformats.org/markup-compatibility/2006">
-    <mc:Choice xmlns:p14="http://schemas.microsoft.com/office/powerpoint/2010/main" xmlns="" Requires="p14">
+    <mc:Choice xmlns="" xmlns:p14="http://schemas.microsoft.com/office/powerpoint/2010/main" Requires="p14">
       <p:transition spd="med" p14:dur="700">
         <p:fade/>
       </p:transition>
@@ -6011,7 +6011,7 @@
             <a:fld id="{48B5C4C8-27DC-44BF-9E03-B7C3E8A06791}" type="slidenum">
               <a:rPr/>
               <a:pPr lvl="0"/>
-              <a:t>‹#›</a:t>
+              <a:t>‹nr.›</a:t>
             </a:fld>
             <a:endParaRPr lang="en-US"/>
           </a:p>
@@ -6020,7 +6020,7 @@
     </p:spTree>
     <p:extLst>
       <p:ext uri="{BB962C8B-B14F-4D97-AF65-F5344CB8AC3E}">
-        <p14:creationId xmlns:p14="http://schemas.microsoft.com/office/powerpoint/2010/main" xmlns="" val="3135204958"/>
+        <p14:creationId xmlns="" xmlns:p14="http://schemas.microsoft.com/office/powerpoint/2010/main" val="3135204958"/>
       </p:ext>
     </p:extLst>
   </p:cSld>
@@ -6028,7 +6028,7 @@
     <a:masterClrMapping/>
   </p:clrMapOvr>
   <mc:AlternateContent xmlns:mc="http://schemas.openxmlformats.org/markup-compatibility/2006">
-    <mc:Choice xmlns:p14="http://schemas.microsoft.com/office/powerpoint/2010/main" xmlns="" Requires="p14">
+    <mc:Choice xmlns="" xmlns:p14="http://schemas.microsoft.com/office/powerpoint/2010/main" Requires="p14">
       <p:transition spd="med" p14:dur="700">
         <p:fade/>
       </p:transition>
@@ -6269,7 +6269,7 @@
             <a:fld id="{AAD27059-2D1A-4A43-9534-C17FFB2F357C}" type="slidenum">
               <a:rPr/>
               <a:pPr lvl="0"/>
-              <a:t>‹#›</a:t>
+              <a:t>‹nr.›</a:t>
             </a:fld>
             <a:endParaRPr lang="en-US"/>
           </a:p>
@@ -6278,7 +6278,7 @@
     </p:spTree>
     <p:extLst>
       <p:ext uri="{BB962C8B-B14F-4D97-AF65-F5344CB8AC3E}">
-        <p14:creationId xmlns:p14="http://schemas.microsoft.com/office/powerpoint/2010/main" xmlns="" val="2746435443"/>
+        <p14:creationId xmlns="" xmlns:p14="http://schemas.microsoft.com/office/powerpoint/2010/main" val="2746435443"/>
       </p:ext>
     </p:extLst>
   </p:cSld>
@@ -6286,7 +6286,7 @@
     <a:masterClrMapping/>
   </p:clrMapOvr>
   <mc:AlternateContent xmlns:mc="http://schemas.openxmlformats.org/markup-compatibility/2006">
-    <mc:Choice xmlns:p14="http://schemas.microsoft.com/office/powerpoint/2010/main" xmlns="" Requires="p14">
+    <mc:Choice xmlns="" xmlns:p14="http://schemas.microsoft.com/office/powerpoint/2010/main" Requires="p14">
       <p:transition spd="med" p14:dur="700">
         <p:fade/>
       </p:transition>
@@ -6569,7 +6569,7 @@
             <a:fld id="{F3D84FAE-36F1-47EC-A466-E9834CE12E7A}" type="slidenum">
               <a:rPr/>
               <a:pPr lvl="0"/>
-              <a:t>‹#›</a:t>
+              <a:t>‹nr.›</a:t>
             </a:fld>
             <a:endParaRPr lang="en-US"/>
           </a:p>
@@ -6578,7 +6578,7 @@
     </p:spTree>
     <p:extLst>
       <p:ext uri="{BB962C8B-B14F-4D97-AF65-F5344CB8AC3E}">
-        <p14:creationId xmlns:p14="http://schemas.microsoft.com/office/powerpoint/2010/main" xmlns="" val="3293119183"/>
+        <p14:creationId xmlns="" xmlns:p14="http://schemas.microsoft.com/office/powerpoint/2010/main" val="3293119183"/>
       </p:ext>
     </p:extLst>
   </p:cSld>
@@ -6586,7 +6586,7 @@
     <a:masterClrMapping/>
   </p:clrMapOvr>
   <mc:AlternateContent xmlns:mc="http://schemas.openxmlformats.org/markup-compatibility/2006">
-    <mc:Choice xmlns:p14="http://schemas.microsoft.com/office/powerpoint/2010/main" xmlns="" Requires="p14">
+    <mc:Choice xmlns="" xmlns:p14="http://schemas.microsoft.com/office/powerpoint/2010/main" Requires="p14">
       <p:transition spd="med" p14:dur="700">
         <p:fade/>
       </p:transition>
@@ -7008,7 +7008,7 @@
             <a:fld id="{D58085B2-741A-43FC-B3EF-BF80E641248C}" type="slidenum">
               <a:rPr/>
               <a:pPr lvl="0"/>
-              <a:t>‹#›</a:t>
+              <a:t>‹nr.›</a:t>
             </a:fld>
             <a:endParaRPr lang="en-US"/>
           </a:p>
@@ -7017,7 +7017,7 @@
     </p:spTree>
     <p:extLst>
       <p:ext uri="{BB962C8B-B14F-4D97-AF65-F5344CB8AC3E}">
-        <p14:creationId xmlns:p14="http://schemas.microsoft.com/office/powerpoint/2010/main" xmlns="" val="370465318"/>
+        <p14:creationId xmlns="" xmlns:p14="http://schemas.microsoft.com/office/powerpoint/2010/main" val="370465318"/>
       </p:ext>
     </p:extLst>
   </p:cSld>
@@ -7025,7 +7025,7 @@
     <a:masterClrMapping/>
   </p:clrMapOvr>
   <mc:AlternateContent xmlns:mc="http://schemas.openxmlformats.org/markup-compatibility/2006">
-    <mc:Choice xmlns:p14="http://schemas.microsoft.com/office/powerpoint/2010/main" xmlns="" Requires="p14">
+    <mc:Choice xmlns="" xmlns:p14="http://schemas.microsoft.com/office/powerpoint/2010/main" Requires="p14">
       <p:transition spd="med" p14:dur="700">
         <p:fade/>
       </p:transition>
@@ -7138,7 +7138,7 @@
             <a:fld id="{3F4CF0F6-A8A8-4DBE-8CE2-D8D6385EC079}" type="slidenum">
               <a:rPr/>
               <a:pPr lvl="0"/>
-              <a:t>‹#›</a:t>
+              <a:t>‹nr.›</a:t>
             </a:fld>
             <a:endParaRPr lang="en-US"/>
           </a:p>
@@ -7147,7 +7147,7 @@
     </p:spTree>
     <p:extLst>
       <p:ext uri="{BB962C8B-B14F-4D97-AF65-F5344CB8AC3E}">
-        <p14:creationId xmlns:p14="http://schemas.microsoft.com/office/powerpoint/2010/main" xmlns="" val="2325936245"/>
+        <p14:creationId xmlns="" xmlns:p14="http://schemas.microsoft.com/office/powerpoint/2010/main" val="2325936245"/>
       </p:ext>
     </p:extLst>
   </p:cSld>
@@ -7155,7 +7155,7 @@
     <a:masterClrMapping/>
   </p:clrMapOvr>
   <mc:AlternateContent xmlns:mc="http://schemas.openxmlformats.org/markup-compatibility/2006">
-    <mc:Choice xmlns:p14="http://schemas.microsoft.com/office/powerpoint/2010/main" xmlns="" Requires="p14">
+    <mc:Choice xmlns="" xmlns:p14="http://schemas.microsoft.com/office/powerpoint/2010/main" Requires="p14">
       <p:transition spd="med" p14:dur="700">
         <p:fade/>
       </p:transition>
@@ -7245,7 +7245,7 @@
             <a:fld id="{5A42CB0E-2CBB-4EB1-B358-442B8D94C7E7}" type="slidenum">
               <a:rPr/>
               <a:pPr lvl="0"/>
-              <a:t>‹#›</a:t>
+              <a:t>‹nr.›</a:t>
             </a:fld>
             <a:endParaRPr lang="en-US"/>
           </a:p>
@@ -7260,7 +7260,7 @@
           <p:nvPr userDrawn="1"/>
         </p:nvPicPr>
         <p:blipFill>
-          <a:blip r:embed="rId2">
+          <a:blip r:embed="rId2" cstate="print">
             <a:lum/>
             <a:alphaModFix/>
           </a:blip>
@@ -7332,7 +7332,7 @@
     </p:spTree>
     <p:extLst>
       <p:ext uri="{BB962C8B-B14F-4D97-AF65-F5344CB8AC3E}">
-        <p14:creationId xmlns:p14="http://schemas.microsoft.com/office/powerpoint/2010/main" xmlns="" val="3059283975"/>
+        <p14:creationId xmlns="" xmlns:p14="http://schemas.microsoft.com/office/powerpoint/2010/main" val="3059283975"/>
       </p:ext>
     </p:extLst>
   </p:cSld>
@@ -7340,7 +7340,7 @@
     <a:masterClrMapping/>
   </p:clrMapOvr>
   <mc:AlternateContent xmlns:mc="http://schemas.openxmlformats.org/markup-compatibility/2006">
-    <mc:Choice xmlns:p14="http://schemas.microsoft.com/office/powerpoint/2010/main" xmlns="" Requires="p14">
+    <mc:Choice xmlns="" xmlns:p14="http://schemas.microsoft.com/office/powerpoint/2010/main" Requires="p14">
       <p:transition spd="med" p14:dur="700">
         <p:fade/>
       </p:transition>
@@ -7699,7 +7699,7 @@
             <a:fld id="{725B9D18-730B-4364-B53C-DEA1F6D0A1F2}" type="slidenum">
               <a:rPr/>
               <a:pPr lvl="0"/>
-              <a:t>‹#›</a:t>
+              <a:t>‹nr.›</a:t>
             </a:fld>
             <a:endParaRPr lang="en-US"/>
           </a:p>
@@ -7740,7 +7740,7 @@
     </p:spTree>
     <p:extLst>
       <p:ext uri="{BB962C8B-B14F-4D97-AF65-F5344CB8AC3E}">
-        <p14:creationId xmlns:p14="http://schemas.microsoft.com/office/powerpoint/2010/main" xmlns="" val="378571315"/>
+        <p14:creationId xmlns="" xmlns:p14="http://schemas.microsoft.com/office/powerpoint/2010/main" val="378571315"/>
       </p:ext>
     </p:extLst>
   </p:cSld>
@@ -7748,7 +7748,7 @@
     <a:masterClrMapping/>
   </p:clrMapOvr>
   <mc:AlternateContent xmlns:mc="http://schemas.openxmlformats.org/markup-compatibility/2006">
-    <mc:Choice xmlns:p14="http://schemas.microsoft.com/office/powerpoint/2010/main" xmlns="" Requires="p14">
+    <mc:Choice xmlns="" xmlns:p14="http://schemas.microsoft.com/office/powerpoint/2010/main" Requires="p14">
       <p:transition spd="med" p14:dur="700">
         <p:fade/>
       </p:transition>
@@ -7996,7 +7996,7 @@
             <a:fld id="{788AE229-789A-4255-98C1-43CD6A52A530}" type="slidenum">
               <a:rPr/>
               <a:pPr lvl="0"/>
-              <a:t>‹#›</a:t>
+              <a:t>‹nr.›</a:t>
             </a:fld>
             <a:endParaRPr lang="en-US"/>
           </a:p>
@@ -8005,7 +8005,7 @@
     </p:spTree>
     <p:extLst>
       <p:ext uri="{BB962C8B-B14F-4D97-AF65-F5344CB8AC3E}">
-        <p14:creationId xmlns:p14="http://schemas.microsoft.com/office/powerpoint/2010/main" xmlns="" val="3244251335"/>
+        <p14:creationId xmlns="" xmlns:p14="http://schemas.microsoft.com/office/powerpoint/2010/main" val="3244251335"/>
       </p:ext>
     </p:extLst>
   </p:cSld>
@@ -8013,7 +8013,7 @@
     <a:masterClrMapping/>
   </p:clrMapOvr>
   <mc:AlternateContent xmlns:mc="http://schemas.openxmlformats.org/markup-compatibility/2006">
-    <mc:Choice xmlns:p14="http://schemas.microsoft.com/office/powerpoint/2010/main" xmlns="" Requires="p14">
+    <mc:Choice xmlns="" xmlns:p14="http://schemas.microsoft.com/office/powerpoint/2010/main" Requires="p14">
       <p:transition spd="med" p14:dur="700">
         <p:fade/>
       </p:transition>
@@ -8533,7 +8533,7 @@
             <a:fld id="{06C1560A-6B43-42D2-9B96-CA73A06B04E3}" type="slidenum">
               <a:rPr/>
               <a:pPr lvl="0"/>
-              <a:t>‹#›</a:t>
+              <a:t>‹nr.›</a:t>
             </a:fld>
             <a:endParaRPr lang="en-US"/>
           </a:p>
@@ -8588,7 +8588,7 @@
     <p:sldLayoutId id="2147483659" r:id="rId11"/>
   </p:sldLayoutIdLst>
   <mc:AlternateContent xmlns:mc="http://schemas.openxmlformats.org/markup-compatibility/2006">
-    <mc:Choice xmlns:p14="http://schemas.microsoft.com/office/powerpoint/2010/main" xmlns="" Requires="p14">
+    <mc:Choice xmlns="" xmlns:p14="http://schemas.microsoft.com/office/powerpoint/2010/main" Requires="p14">
       <p:transition spd="med" p14:dur="700">
         <p:fade/>
       </p:transition>
@@ -8659,7 +8659,7 @@
           <p:nvPr/>
         </p:nvPicPr>
         <p:blipFill>
-          <a:blip r:embed="rId3">
+          <a:blip r:embed="rId3" cstate="print">
             <a:lum/>
             <a:alphaModFix/>
           </a:blip>
@@ -9199,7 +9199,7 @@
     <a:masterClrMapping/>
   </p:clrMapOvr>
   <mc:AlternateContent xmlns:mc="http://schemas.openxmlformats.org/markup-compatibility/2006">
-    <mc:Choice xmlns:p14="http://schemas.microsoft.com/office/powerpoint/2010/main" xmlns="" Requires="p14">
+    <mc:Choice xmlns="" xmlns:p14="http://schemas.microsoft.com/office/powerpoint/2010/main" Requires="p14">
       <p:transition spd="med" p14:dur="700">
         <p:fade/>
       </p:transition>
@@ -10368,7 +10368,7 @@
     <a:masterClrMapping/>
   </p:clrMapOvr>
   <mc:AlternateContent xmlns:mc="http://schemas.openxmlformats.org/markup-compatibility/2006">
-    <mc:Choice xmlns:p14="http://schemas.microsoft.com/office/powerpoint/2010/main" xmlns="" Requires="p14">
+    <mc:Choice xmlns="" xmlns:p14="http://schemas.microsoft.com/office/powerpoint/2010/main" Requires="p14">
       <p:transition spd="med" p14:dur="700">
         <p:fade/>
       </p:transition>
@@ -11483,7 +11483,7 @@
     <a:masterClrMapping/>
   </p:clrMapOvr>
   <mc:AlternateContent xmlns:mc="http://schemas.openxmlformats.org/markup-compatibility/2006">
-    <mc:Choice xmlns:p14="http://schemas.microsoft.com/office/powerpoint/2010/main" xmlns="" Requires="p14">
+    <mc:Choice xmlns="" xmlns:p14="http://schemas.microsoft.com/office/powerpoint/2010/main" Requires="p14">
       <p:transition spd="med" p14:dur="700">
         <p:fade/>
       </p:transition>
@@ -12139,7 +12139,7 @@
           <p:nvPr/>
         </p:nvPicPr>
         <p:blipFill>
-          <a:blip r:embed="rId4">
+          <a:blip r:embed="rId4" cstate="print">
             <a:clrChange>
               <a:clrFrom>
                 <a:srgbClr val="FFFFFF"/>
@@ -12468,7 +12468,7 @@
     <a:masterClrMapping/>
   </p:clrMapOvr>
   <mc:AlternateContent xmlns:mc="http://schemas.openxmlformats.org/markup-compatibility/2006">
-    <mc:Choice xmlns:p14="http://schemas.microsoft.com/office/powerpoint/2010/main" xmlns="" Requires="p14">
+    <mc:Choice xmlns="" xmlns:p14="http://schemas.microsoft.com/office/powerpoint/2010/main" Requires="p14">
       <p:transition spd="med" p14:dur="700">
         <p:fade/>
       </p:transition>
@@ -13401,7 +13401,7 @@
     </p:spTree>
     <p:extLst>
       <p:ext uri="{BB962C8B-B14F-4D97-AF65-F5344CB8AC3E}">
-        <p14:creationId xmlns:p14="http://schemas.microsoft.com/office/powerpoint/2010/main" xmlns="" val="825497921"/>
+        <p14:creationId xmlns="" xmlns:p14="http://schemas.microsoft.com/office/powerpoint/2010/main" val="825497921"/>
       </p:ext>
     </p:extLst>
   </p:cSld>
@@ -13409,7 +13409,7 @@
     <a:masterClrMapping/>
   </p:clrMapOvr>
   <mc:AlternateContent xmlns:mc="http://schemas.openxmlformats.org/markup-compatibility/2006">
-    <mc:Choice xmlns:p14="http://schemas.microsoft.com/office/powerpoint/2010/main" xmlns="" Requires="p14">
+    <mc:Choice xmlns="" xmlns:p14="http://schemas.microsoft.com/office/powerpoint/2010/main" Requires="p14">
       <p:transition spd="med" p14:dur="700">
         <p:fade/>
       </p:transition>
@@ -13972,7 +13972,7 @@
     </p:spTree>
     <p:extLst>
       <p:ext uri="{BB962C8B-B14F-4D97-AF65-F5344CB8AC3E}">
-        <p14:creationId xmlns:p14="http://schemas.microsoft.com/office/powerpoint/2010/main" xmlns="" val="1475684436"/>
+        <p14:creationId xmlns="" xmlns:p14="http://schemas.microsoft.com/office/powerpoint/2010/main" val="1475684436"/>
       </p:ext>
     </p:extLst>
   </p:cSld>
@@ -13980,7 +13980,7 @@
     <a:masterClrMapping/>
   </p:clrMapOvr>
   <mc:AlternateContent xmlns:mc="http://schemas.openxmlformats.org/markup-compatibility/2006">
-    <mc:Choice xmlns:p14="http://schemas.microsoft.com/office/powerpoint/2010/main" xmlns="" Requires="p14">
+    <mc:Choice xmlns="" xmlns:p14="http://schemas.microsoft.com/office/powerpoint/2010/main" Requires="p14">
       <p:transition spd="med" p14:dur="700">
         <p:fade/>
       </p:transition>
@@ -14590,7 +14590,7 @@
     </p:spTree>
     <p:extLst>
       <p:ext uri="{BB962C8B-B14F-4D97-AF65-F5344CB8AC3E}">
-        <p14:creationId xmlns:p14="http://schemas.microsoft.com/office/powerpoint/2010/main" xmlns="" val="1475684436"/>
+        <p14:creationId xmlns="" xmlns:p14="http://schemas.microsoft.com/office/powerpoint/2010/main" val="1475684436"/>
       </p:ext>
     </p:extLst>
   </p:cSld>
@@ -14598,7 +14598,7 @@
     <a:masterClrMapping/>
   </p:clrMapOvr>
   <mc:AlternateContent xmlns:mc="http://schemas.openxmlformats.org/markup-compatibility/2006">
-    <mc:Choice xmlns:p14="http://schemas.microsoft.com/office/powerpoint/2010/main" xmlns="" Requires="p14">
+    <mc:Choice xmlns="" xmlns:p14="http://schemas.microsoft.com/office/powerpoint/2010/main" Requires="p14">
       <p:transition spd="med" p14:dur="700">
         <p:fade/>
       </p:transition>
@@ -16028,7 +16028,7 @@
     </p:spTree>
     <p:extLst>
       <p:ext uri="{BB962C8B-B14F-4D97-AF65-F5344CB8AC3E}">
-        <p14:creationId xmlns:p14="http://schemas.microsoft.com/office/powerpoint/2010/main" xmlns="" val="2712302225"/>
+        <p14:creationId xmlns="" xmlns:p14="http://schemas.microsoft.com/office/powerpoint/2010/main" val="2712302225"/>
       </p:ext>
     </p:extLst>
   </p:cSld>
@@ -16036,7 +16036,7 @@
     <a:masterClrMapping/>
   </p:clrMapOvr>
   <mc:AlternateContent xmlns:mc="http://schemas.openxmlformats.org/markup-compatibility/2006">
-    <mc:Choice xmlns:p14="http://schemas.microsoft.com/office/powerpoint/2010/main" xmlns="" Requires="p14">
+    <mc:Choice xmlns="" xmlns:p14="http://schemas.microsoft.com/office/powerpoint/2010/main" Requires="p14">
       <p:transition spd="med" p14:dur="700">
         <p:fade/>
       </p:transition>
@@ -17309,15 +17309,7 @@
                 <a:ea typeface="WenQuanYi Micro Hei" pitchFamily="2"/>
                 <a:cs typeface="Lohit Hindi" pitchFamily="2"/>
               </a:rPr>
-              <a:t>… </a:t>
-            </a:r>
-            <a:r>
-              <a:rPr lang="en-US" sz="2000" dirty="0" smtClean="0">
-                <a:latin typeface="Adobe Caslon Pro" pitchFamily="18" charset="0"/>
-                <a:ea typeface="WenQuanYi Micro Hei" pitchFamily="2"/>
-                <a:cs typeface="Lohit Hindi" pitchFamily="2"/>
-              </a:rPr>
-              <a:t>(</a:t>
+              <a:t>… (</a:t>
             </a:r>
             <a:r>
               <a:rPr lang="en-US" sz="2000" dirty="0" err="1" smtClean="0">
@@ -17381,7 +17373,7 @@
     </p:spTree>
     <p:extLst>
       <p:ext uri="{BB962C8B-B14F-4D97-AF65-F5344CB8AC3E}">
-        <p14:creationId xmlns:p14="http://schemas.microsoft.com/office/powerpoint/2010/main" xmlns="" val="2842108802"/>
+        <p14:creationId xmlns="" xmlns:p14="http://schemas.microsoft.com/office/powerpoint/2010/main" val="2842108802"/>
       </p:ext>
     </p:extLst>
   </p:cSld>
@@ -17389,7 +17381,7 @@
     <a:masterClrMapping/>
   </p:clrMapOvr>
   <mc:AlternateContent xmlns:mc="http://schemas.openxmlformats.org/markup-compatibility/2006">
-    <mc:Choice xmlns:p14="http://schemas.microsoft.com/office/powerpoint/2010/main" xmlns="" Requires="p14">
+    <mc:Choice xmlns="" xmlns:p14="http://schemas.microsoft.com/office/powerpoint/2010/main" Requires="p14">
       <p:transition spd="med" p14:dur="700">
         <p:fade/>
       </p:transition>
@@ -18316,10 +18308,10 @@
           <p:nvPr/>
         </p:nvPicPr>
         <p:blipFill>
-          <a:blip r:embed="rId4">
+          <a:blip r:embed="rId4" cstate="print">
             <a:extLst>
               <a:ext uri="{28A0092B-C50C-407E-A947-70E740481C1C}">
-                <a14:useLocalDpi xmlns:a14="http://schemas.microsoft.com/office/drawing/2010/main" xmlns="" val="0"/>
+                <a14:useLocalDpi xmlns="" xmlns:a14="http://schemas.microsoft.com/office/drawing/2010/main" val="0"/>
               </a:ext>
             </a:extLst>
           </a:blip>
@@ -18339,7 +18331,7 @@
           <a:noFill/>
           <a:extLst>
             <a:ext uri="{909E8E84-426E-40DD-AFC4-6F175D3DCCD1}">
-              <a14:hiddenFill xmlns:a14="http://schemas.microsoft.com/office/drawing/2010/main" xmlns="">
+              <a14:hiddenFill xmlns="" xmlns:a14="http://schemas.microsoft.com/office/drawing/2010/main">
                 <a:solidFill>
                   <a:srgbClr val="FFFFFF"/>
                 </a:solidFill>
@@ -18370,7 +18362,7 @@
     </p:spTree>
     <p:extLst>
       <p:ext uri="{BB962C8B-B14F-4D97-AF65-F5344CB8AC3E}">
-        <p14:creationId xmlns:p14="http://schemas.microsoft.com/office/powerpoint/2010/main" xmlns="" val="20845965"/>
+        <p14:creationId xmlns="" xmlns:p14="http://schemas.microsoft.com/office/powerpoint/2010/main" val="20845965"/>
       </p:ext>
     </p:extLst>
   </p:cSld>
@@ -18378,7 +18370,7 @@
     <a:masterClrMapping/>
   </p:clrMapOvr>
   <mc:AlternateContent xmlns:mc="http://schemas.openxmlformats.org/markup-compatibility/2006">
-    <mc:Choice xmlns:p14="http://schemas.microsoft.com/office/powerpoint/2010/main" xmlns="" Requires="p14">
+    <mc:Choice xmlns="" xmlns:p14="http://schemas.microsoft.com/office/powerpoint/2010/main" Requires="p14">
       <p:transition spd="med" p14:dur="700">
         <p:fade/>
       </p:transition>
@@ -18881,7 +18873,7 @@
     <a:masterClrMapping/>
   </p:clrMapOvr>
   <mc:AlternateContent xmlns:mc="http://schemas.openxmlformats.org/markup-compatibility/2006">
-    <mc:Choice xmlns:p14="http://schemas.microsoft.com/office/powerpoint/2010/main" xmlns="" Requires="p14">
+    <mc:Choice xmlns="" xmlns:p14="http://schemas.microsoft.com/office/powerpoint/2010/main" Requires="p14">
       <p:transition spd="med" p14:dur="700">
         <p:fade/>
       </p:transition>
@@ -19466,7 +19458,7 @@
     <a:masterClrMapping/>
   </p:clrMapOvr>
   <mc:AlternateContent xmlns:mc="http://schemas.openxmlformats.org/markup-compatibility/2006">
-    <mc:Choice xmlns:p14="http://schemas.microsoft.com/office/powerpoint/2010/main" xmlns="" Requires="p14">
+    <mc:Choice xmlns="" xmlns:p14="http://schemas.microsoft.com/office/powerpoint/2010/main" Requires="p14">
       <p:transition spd="med" p14:dur="700">
         <p:fade/>
       </p:transition>
@@ -19993,7 +19985,7 @@
           <p:nvPr/>
         </p:nvPicPr>
         <p:blipFill>
-          <a:blip r:embed="rId4">
+          <a:blip r:embed="rId4" cstate="print">
             <a:lum/>
             <a:alphaModFix/>
           </a:blip>
@@ -20319,7 +20311,7 @@
     <a:masterClrMapping/>
   </p:clrMapOvr>
   <mc:AlternateContent xmlns:mc="http://schemas.openxmlformats.org/markup-compatibility/2006">
-    <mc:Choice xmlns:p14="http://schemas.microsoft.com/office/powerpoint/2010/main" xmlns="" Requires="p14">
+    <mc:Choice xmlns="" xmlns:p14="http://schemas.microsoft.com/office/powerpoint/2010/main" Requires="p14">
       <p:transition spd="med" p14:dur="700">
         <p:fade/>
       </p:transition>
@@ -20608,15 +20600,7 @@
                 <a:ea typeface="WenQuanYi Micro Hei" pitchFamily="2"/>
                 <a:cs typeface="Lohit Hindi" pitchFamily="2"/>
               </a:rPr>
-              <a:t> :</a:t>
-            </a:r>
-            <a:r>
-              <a:rPr lang="en-US" sz="2400" dirty="0" smtClean="0">
-                <a:latin typeface="Arial" pitchFamily="18"/>
-                <a:ea typeface="WenQuanYi Micro Hei" pitchFamily="2"/>
-                <a:cs typeface="Lohit Hindi" pitchFamily="2"/>
-              </a:rPr>
-              <a:t>10x10 </a:t>
+              <a:t> :10x10 </a:t>
             </a:r>
             <a:r>
               <a:rPr lang="en-US" sz="2400" dirty="0">
@@ -21269,7 +21253,7 @@
     </p:spTree>
     <p:extLst>
       <p:ext uri="{BB962C8B-B14F-4D97-AF65-F5344CB8AC3E}">
-        <p14:creationId xmlns:p14="http://schemas.microsoft.com/office/powerpoint/2010/main" xmlns="" val="1767818964"/>
+        <p14:creationId xmlns="" xmlns:p14="http://schemas.microsoft.com/office/powerpoint/2010/main" val="1767818964"/>
       </p:ext>
     </p:extLst>
   </p:cSld>
@@ -22147,11 +22131,6 @@
               </a:rPr>
               <a:t>	</a:t>
             </a:r>
-            <a:endParaRPr lang="nl-BE" sz="2800" dirty="0" smtClean="0">
-              <a:latin typeface="Arial" pitchFamily="18"/>
-              <a:ea typeface="WenQuanYi Micro Hei" pitchFamily="2"/>
-              <a:cs typeface="Lohit Hindi" pitchFamily="2"/>
-            </a:endParaRPr>
           </a:p>
         </p:txBody>
       </p:sp>
@@ -22448,7 +22427,7 @@
     </p:spTree>
     <p:extLst>
       <p:ext uri="{BB962C8B-B14F-4D97-AF65-F5344CB8AC3E}">
-        <p14:creationId xmlns:p14="http://schemas.microsoft.com/office/powerpoint/2010/main" xmlns="" val="1767818964"/>
+        <p14:creationId xmlns="" xmlns:p14="http://schemas.microsoft.com/office/powerpoint/2010/main" val="1767818964"/>
       </p:ext>
     </p:extLst>
   </p:cSld>
@@ -22986,7 +22965,7 @@
           <p:nvPr/>
         </p:nvPicPr>
         <p:blipFill>
-          <a:blip r:embed="rId4">
+          <a:blip r:embed="rId4" cstate="print">
             <a:lum/>
             <a:alphaModFix/>
           </a:blip>
@@ -23018,7 +22997,7 @@
           <p:nvPr/>
         </p:nvPicPr>
         <p:blipFill>
-          <a:blip r:embed="rId4">
+          <a:blip r:embed="rId4" cstate="print">
             <a:lum/>
             <a:alphaModFix/>
           </a:blip>
@@ -23050,7 +23029,7 @@
           <p:nvPr/>
         </p:nvPicPr>
         <p:blipFill>
-          <a:blip r:embed="rId4">
+          <a:blip r:embed="rId4" cstate="print">
             <a:lum/>
             <a:alphaModFix/>
           </a:blip>
@@ -23082,7 +23061,7 @@
           <p:nvPr/>
         </p:nvPicPr>
         <p:blipFill>
-          <a:blip r:embed="rId4">
+          <a:blip r:embed="rId4" cstate="print">
             <a:lum/>
             <a:alphaModFix/>
           </a:blip>
@@ -23114,7 +23093,7 @@
           <p:nvPr/>
         </p:nvPicPr>
         <p:blipFill>
-          <a:blip r:embed="rId4">
+          <a:blip r:embed="rId4" cstate="print">
             <a:lum/>
             <a:alphaModFix/>
           </a:blip>
@@ -23146,7 +23125,7 @@
           <p:nvPr/>
         </p:nvPicPr>
         <p:blipFill>
-          <a:blip r:embed="rId4">
+          <a:blip r:embed="rId4" cstate="print">
             <a:lum/>
             <a:alphaModFix/>
           </a:blip>
@@ -23178,7 +23157,7 @@
           <p:nvPr/>
         </p:nvPicPr>
         <p:blipFill>
-          <a:blip r:embed="rId4">
+          <a:blip r:embed="rId4" cstate="print">
             <a:lum/>
             <a:alphaModFix/>
           </a:blip>
@@ -23210,7 +23189,7 @@
           <p:nvPr/>
         </p:nvPicPr>
         <p:blipFill>
-          <a:blip r:embed="rId4">
+          <a:blip r:embed="rId4" cstate="print">
             <a:lum/>
             <a:alphaModFix/>
           </a:blip>
@@ -23242,7 +23221,7 @@
           <p:nvPr/>
         </p:nvPicPr>
         <p:blipFill>
-          <a:blip r:embed="rId4">
+          <a:blip r:embed="rId4" cstate="print">
             <a:lum/>
             <a:alphaModFix/>
           </a:blip>
@@ -23274,7 +23253,7 @@
           <p:nvPr/>
         </p:nvPicPr>
         <p:blipFill>
-          <a:blip r:embed="rId4">
+          <a:blip r:embed="rId4" cstate="print">
             <a:lum/>
             <a:alphaModFix/>
           </a:blip>
@@ -23593,7 +23572,7 @@
     <a:masterClrMapping/>
   </p:clrMapOvr>
   <mc:AlternateContent xmlns:mc="http://schemas.openxmlformats.org/markup-compatibility/2006">
-    <mc:Choice xmlns:p14="http://schemas.microsoft.com/office/powerpoint/2010/main" xmlns="" Requires="p14">
+    <mc:Choice xmlns="" xmlns:p14="http://schemas.microsoft.com/office/powerpoint/2010/main" Requires="p14">
       <p:transition spd="med" p14:dur="700">
         <p:fade/>
       </p:transition>
@@ -24521,7 +24500,7 @@
           <p:nvPr/>
         </p:nvPicPr>
         <p:blipFill>
-          <a:blip r:embed="rId4">
+          <a:blip r:embed="rId4" cstate="print">
             <a:lum/>
             <a:alphaModFix/>
           </a:blip>
@@ -24553,7 +24532,7 @@
           <p:nvPr/>
         </p:nvPicPr>
         <p:blipFill>
-          <a:blip r:embed="rId4">
+          <a:blip r:embed="rId4" cstate="print">
             <a:lum/>
             <a:alphaModFix/>
           </a:blip>
@@ -24585,7 +24564,7 @@
           <p:nvPr/>
         </p:nvPicPr>
         <p:blipFill>
-          <a:blip r:embed="rId4">
+          <a:blip r:embed="rId4" cstate="print">
             <a:lum/>
             <a:alphaModFix/>
           </a:blip>
@@ -24617,7 +24596,7 @@
           <p:nvPr/>
         </p:nvPicPr>
         <p:blipFill>
-          <a:blip r:embed="rId4">
+          <a:blip r:embed="rId4" cstate="print">
             <a:lum/>
             <a:alphaModFix/>
           </a:blip>
@@ -24649,7 +24628,7 @@
           <p:nvPr/>
         </p:nvPicPr>
         <p:blipFill>
-          <a:blip r:embed="rId4">
+          <a:blip r:embed="rId4" cstate="print">
             <a:lum/>
             <a:alphaModFix/>
           </a:blip>
@@ -24968,7 +24947,7 @@
     <a:masterClrMapping/>
   </p:clrMapOvr>
   <mc:AlternateContent xmlns:mc="http://schemas.openxmlformats.org/markup-compatibility/2006">
-    <mc:Choice xmlns:p14="http://schemas.microsoft.com/office/powerpoint/2010/main" xmlns="" Requires="p14">
+    <mc:Choice xmlns="" xmlns:p14="http://schemas.microsoft.com/office/powerpoint/2010/main" Requires="p14">
       <p:transition spd="med" p14:dur="700">
         <p:fade/>
       </p:transition>
@@ -26180,7 +26159,7 @@
     <a:masterClrMapping/>
   </p:clrMapOvr>
   <mc:AlternateContent xmlns:mc="http://schemas.openxmlformats.org/markup-compatibility/2006">
-    <mc:Choice xmlns:p14="http://schemas.microsoft.com/office/powerpoint/2010/main" xmlns="" Requires="p14">
+    <mc:Choice xmlns="" xmlns:p14="http://schemas.microsoft.com/office/powerpoint/2010/main" Requires="p14">
       <p:transition spd="med" p14:dur="700">
         <p:fade/>
       </p:transition>
@@ -26847,7 +26826,7 @@
         <p:spPr>
           <a:xfrm>
             <a:off x="731519" y="1828800"/>
-            <a:ext cx="7453236" cy="4396929"/>
+            <a:ext cx="7402196" cy="4396929"/>
           </a:xfrm>
           <a:prstGeom prst="rect">
             <a:avLst/>
@@ -27426,26 +27405,34 @@
                 <a:ea typeface="WenQuanYi Micro Hei" pitchFamily="2"/>
                 <a:cs typeface="Lohit Hindi" pitchFamily="2"/>
               </a:rPr>
-              <a:t> met </a:t>
-            </a:r>
-            <a:r>
-              <a:rPr lang="en-US" sz="2400" dirty="0" err="1">
-                <a:latin typeface="Arial" pitchFamily="18"/>
-                <a:ea typeface="WenQuanYi Micro Hei" pitchFamily="2"/>
-                <a:cs typeface="Lohit Hindi" pitchFamily="2"/>
-              </a:rPr>
-              <a:t>drie</a:t>
-            </a:r>
-            <a:r>
-              <a:rPr lang="en-US" sz="2400" dirty="0">
-                <a:latin typeface="Arial" pitchFamily="18"/>
-                <a:ea typeface="WenQuanYi Micro Hei" pitchFamily="2"/>
-                <a:cs typeface="Lohit Hindi" pitchFamily="2"/>
-              </a:rPr>
               <a:t> </a:t>
             </a:r>
             <a:r>
-              <a:rPr lang="en-US" sz="2400" dirty="0" err="1">
+              <a:rPr lang="en-US" sz="2400" dirty="0" smtClean="0">
+                <a:latin typeface="Arial" pitchFamily="18"/>
+                <a:ea typeface="WenQuanYi Micro Hei" pitchFamily="2"/>
+                <a:cs typeface="Lohit Hindi" pitchFamily="2"/>
+              </a:rPr>
+              <a:t>met </a:t>
+            </a:r>
+            <a:r>
+              <a:rPr lang="en-US" sz="2400" dirty="0" err="1" smtClean="0">
+                <a:latin typeface="Arial" pitchFamily="18"/>
+                <a:ea typeface="WenQuanYi Micro Hei" pitchFamily="2"/>
+                <a:cs typeface="Lohit Hindi" pitchFamily="2"/>
+              </a:rPr>
+              <a:t>vier</a:t>
+            </a:r>
+            <a:r>
+              <a:rPr lang="en-US" sz="2400" dirty="0" smtClean="0">
+                <a:latin typeface="Arial" pitchFamily="18"/>
+                <a:ea typeface="WenQuanYi Micro Hei" pitchFamily="2"/>
+                <a:cs typeface="Lohit Hindi" pitchFamily="2"/>
+              </a:rPr>
+              <a:t> </a:t>
+            </a:r>
+            <a:r>
+              <a:rPr lang="en-US" sz="2400" dirty="0" err="1" smtClean="0">
                 <a:latin typeface="Arial" pitchFamily="18"/>
                 <a:ea typeface="WenQuanYi Micro Hei" pitchFamily="2"/>
                 <a:cs typeface="Lohit Hindi" pitchFamily="2"/>
@@ -27453,7 +27440,23 @@
               <a:t>gekende</a:t>
             </a:r>
             <a:r>
-              <a:rPr lang="en-US" sz="2400" dirty="0">
+              <a:rPr lang="en-US" sz="2400" dirty="0" smtClean="0">
+                <a:latin typeface="Arial" pitchFamily="18"/>
+                <a:ea typeface="WenQuanYi Micro Hei" pitchFamily="2"/>
+                <a:cs typeface="Lohit Hindi" pitchFamily="2"/>
+              </a:rPr>
+              <a:t> edges </a:t>
+            </a:r>
+            <a:r>
+              <a:rPr lang="en-US" sz="2400" dirty="0" err="1" smtClean="0">
+                <a:latin typeface="Arial" pitchFamily="18"/>
+                <a:ea typeface="WenQuanYi Micro Hei" pitchFamily="2"/>
+                <a:cs typeface="Lohit Hindi" pitchFamily="2"/>
+              </a:rPr>
+              <a:t>niet</a:t>
+            </a:r>
+            <a:r>
+              <a:rPr lang="en-US" sz="2400" dirty="0" smtClean="0">
                 <a:latin typeface="Arial" pitchFamily="18"/>
                 <a:ea typeface="WenQuanYi Micro Hei" pitchFamily="2"/>
                 <a:cs typeface="Lohit Hindi" pitchFamily="2"/>
@@ -27461,39 +27464,7 @@
               <a:t> </a:t>
             </a:r>
             <a:r>
-              <a:rPr lang="en-US" sz="2400" dirty="0" err="1">
-                <a:latin typeface="Arial" pitchFamily="18"/>
-                <a:ea typeface="WenQuanYi Micro Hei" pitchFamily="2"/>
-                <a:cs typeface="Lohit Hindi" pitchFamily="2"/>
-              </a:rPr>
-              <a:t>muren</a:t>
-            </a:r>
-            <a:r>
-              <a:rPr lang="en-US" sz="2400" dirty="0">
-                <a:latin typeface="Arial" pitchFamily="18"/>
-                <a:ea typeface="WenQuanYi Micro Hei" pitchFamily="2"/>
-                <a:cs typeface="Lohit Hindi" pitchFamily="2"/>
-              </a:rPr>
-              <a:t> </a:t>
-            </a:r>
-            <a:r>
-              <a:rPr lang="en-US" sz="2400" dirty="0" err="1">
-                <a:latin typeface="Arial" pitchFamily="18"/>
-                <a:ea typeface="WenQuanYi Micro Hei" pitchFamily="2"/>
-                <a:cs typeface="Lohit Hindi" pitchFamily="2"/>
-              </a:rPr>
-              <a:t>niet</a:t>
-            </a:r>
-            <a:r>
-              <a:rPr lang="en-US" sz="2400" dirty="0">
-                <a:latin typeface="Arial" pitchFamily="18"/>
-                <a:ea typeface="WenQuanYi Micro Hei" pitchFamily="2"/>
-                <a:cs typeface="Lohit Hindi" pitchFamily="2"/>
-              </a:rPr>
-              <a:t> </a:t>
-            </a:r>
-            <a:r>
-              <a:rPr lang="en-US" sz="2400" dirty="0" err="1">
+              <a:rPr lang="en-US" sz="2400" dirty="0" err="1" smtClean="0">
                 <a:latin typeface="Arial" pitchFamily="18"/>
                 <a:ea typeface="WenQuanYi Micro Hei" pitchFamily="2"/>
                 <a:cs typeface="Lohit Hindi" pitchFamily="2"/>
@@ -27886,7 +27857,7 @@
     <a:masterClrMapping/>
   </p:clrMapOvr>
   <mc:AlternateContent xmlns:mc="http://schemas.openxmlformats.org/markup-compatibility/2006">
-    <mc:Choice xmlns:p14="http://schemas.microsoft.com/office/powerpoint/2010/main" xmlns="" Requires="p14">
+    <mc:Choice xmlns="" xmlns:p14="http://schemas.microsoft.com/office/powerpoint/2010/main" Requires="p14">
       <p:transition spd="med" p14:dur="700">
         <p:fade/>
       </p:transition>

--- a/SilverSurferVerslag/Presentatie Eind/Presentatie eindverslag - team zilver v.Sophie.pptx
+++ b/SilverSurferVerslag/Presentatie Eind/Presentatie eindverslag - team zilver v.Sophie.pptx
@@ -383,7 +383,7 @@
     </p:spTree>
     <p:extLst>
       <p:ext uri="{BB962C8B-B14F-4D97-AF65-F5344CB8AC3E}">
-        <p14:creationId xmlns="" xmlns:p14="http://schemas.microsoft.com/office/powerpoint/2010/main" val="1868310962"/>
+        <p14:creationId xmlns:p14="http://schemas.microsoft.com/office/powerpoint/2010/main" xmlns="" val="1868310962"/>
       </p:ext>
     </p:extLst>
   </p:cSld>
@@ -645,7 +645,7 @@
     </p:spTree>
     <p:extLst>
       <p:ext uri="{BB962C8B-B14F-4D97-AF65-F5344CB8AC3E}">
-        <p14:creationId xmlns="" xmlns:p14="http://schemas.microsoft.com/office/powerpoint/2010/main" val="3152010634"/>
+        <p14:creationId xmlns:p14="http://schemas.microsoft.com/office/powerpoint/2010/main" xmlns="" val="3152010634"/>
       </p:ext>
     </p:extLst>
   </p:cSld>
@@ -5464,7 +5464,7 @@
     </p:spTree>
     <p:extLst>
       <p:ext uri="{BB962C8B-B14F-4D97-AF65-F5344CB8AC3E}">
-        <p14:creationId xmlns="" xmlns:p14="http://schemas.microsoft.com/office/powerpoint/2010/main" val="4282009968"/>
+        <p14:creationId xmlns:p14="http://schemas.microsoft.com/office/powerpoint/2010/main" xmlns="" val="4282009968"/>
       </p:ext>
     </p:extLst>
   </p:cSld>
@@ -5472,7 +5472,7 @@
     <a:masterClrMapping/>
   </p:clrMapOvr>
   <mc:AlternateContent xmlns:mc="http://schemas.openxmlformats.org/markup-compatibility/2006">
-    <mc:Choice xmlns="" xmlns:p14="http://schemas.microsoft.com/office/powerpoint/2010/main" Requires="p14">
+    <mc:Choice xmlns:p14="http://schemas.microsoft.com/office/powerpoint/2010/main" xmlns="" Requires="p14">
       <p:transition spd="med" p14:dur="700">
         <p:fade/>
       </p:transition>
@@ -5646,7 +5646,7 @@
     </p:spTree>
     <p:extLst>
       <p:ext uri="{BB962C8B-B14F-4D97-AF65-F5344CB8AC3E}">
-        <p14:creationId xmlns="" xmlns:p14="http://schemas.microsoft.com/office/powerpoint/2010/main" val="1152365486"/>
+        <p14:creationId xmlns:p14="http://schemas.microsoft.com/office/powerpoint/2010/main" xmlns="" val="1152365486"/>
       </p:ext>
     </p:extLst>
   </p:cSld>
@@ -5654,7 +5654,7 @@
     <a:masterClrMapping/>
   </p:clrMapOvr>
   <mc:AlternateContent xmlns:mc="http://schemas.openxmlformats.org/markup-compatibility/2006">
-    <mc:Choice xmlns="" xmlns:p14="http://schemas.microsoft.com/office/powerpoint/2010/main" Requires="p14">
+    <mc:Choice xmlns:p14="http://schemas.microsoft.com/office/powerpoint/2010/main" xmlns="" Requires="p14">
       <p:transition spd="med" p14:dur="700">
         <p:fade/>
       </p:transition>
@@ -5838,7 +5838,7 @@
     </p:spTree>
     <p:extLst>
       <p:ext uri="{BB962C8B-B14F-4D97-AF65-F5344CB8AC3E}">
-        <p14:creationId xmlns="" xmlns:p14="http://schemas.microsoft.com/office/powerpoint/2010/main" val="72821763"/>
+        <p14:creationId xmlns:p14="http://schemas.microsoft.com/office/powerpoint/2010/main" xmlns="" val="72821763"/>
       </p:ext>
     </p:extLst>
   </p:cSld>
@@ -5846,7 +5846,7 @@
     <a:masterClrMapping/>
   </p:clrMapOvr>
   <mc:AlternateContent xmlns:mc="http://schemas.openxmlformats.org/markup-compatibility/2006">
-    <mc:Choice xmlns="" xmlns:p14="http://schemas.microsoft.com/office/powerpoint/2010/main" Requires="p14">
+    <mc:Choice xmlns:p14="http://schemas.microsoft.com/office/powerpoint/2010/main" xmlns="" Requires="p14">
       <p:transition spd="med" p14:dur="700">
         <p:fade/>
       </p:transition>
@@ -6020,7 +6020,7 @@
     </p:spTree>
     <p:extLst>
       <p:ext uri="{BB962C8B-B14F-4D97-AF65-F5344CB8AC3E}">
-        <p14:creationId xmlns="" xmlns:p14="http://schemas.microsoft.com/office/powerpoint/2010/main" val="3135204958"/>
+        <p14:creationId xmlns:p14="http://schemas.microsoft.com/office/powerpoint/2010/main" xmlns="" val="3135204958"/>
       </p:ext>
     </p:extLst>
   </p:cSld>
@@ -6028,7 +6028,7 @@
     <a:masterClrMapping/>
   </p:clrMapOvr>
   <mc:AlternateContent xmlns:mc="http://schemas.openxmlformats.org/markup-compatibility/2006">
-    <mc:Choice xmlns="" xmlns:p14="http://schemas.microsoft.com/office/powerpoint/2010/main" Requires="p14">
+    <mc:Choice xmlns:p14="http://schemas.microsoft.com/office/powerpoint/2010/main" xmlns="" Requires="p14">
       <p:transition spd="med" p14:dur="700">
         <p:fade/>
       </p:transition>
@@ -6278,7 +6278,7 @@
     </p:spTree>
     <p:extLst>
       <p:ext uri="{BB962C8B-B14F-4D97-AF65-F5344CB8AC3E}">
-        <p14:creationId xmlns="" xmlns:p14="http://schemas.microsoft.com/office/powerpoint/2010/main" val="2746435443"/>
+        <p14:creationId xmlns:p14="http://schemas.microsoft.com/office/powerpoint/2010/main" xmlns="" val="2746435443"/>
       </p:ext>
     </p:extLst>
   </p:cSld>
@@ -6286,7 +6286,7 @@
     <a:masterClrMapping/>
   </p:clrMapOvr>
   <mc:AlternateContent xmlns:mc="http://schemas.openxmlformats.org/markup-compatibility/2006">
-    <mc:Choice xmlns="" xmlns:p14="http://schemas.microsoft.com/office/powerpoint/2010/main" Requires="p14">
+    <mc:Choice xmlns:p14="http://schemas.microsoft.com/office/powerpoint/2010/main" xmlns="" Requires="p14">
       <p:transition spd="med" p14:dur="700">
         <p:fade/>
       </p:transition>
@@ -6578,7 +6578,7 @@
     </p:spTree>
     <p:extLst>
       <p:ext uri="{BB962C8B-B14F-4D97-AF65-F5344CB8AC3E}">
-        <p14:creationId xmlns="" xmlns:p14="http://schemas.microsoft.com/office/powerpoint/2010/main" val="3293119183"/>
+        <p14:creationId xmlns:p14="http://schemas.microsoft.com/office/powerpoint/2010/main" xmlns="" val="3293119183"/>
       </p:ext>
     </p:extLst>
   </p:cSld>
@@ -6586,7 +6586,7 @@
     <a:masterClrMapping/>
   </p:clrMapOvr>
   <mc:AlternateContent xmlns:mc="http://schemas.openxmlformats.org/markup-compatibility/2006">
-    <mc:Choice xmlns="" xmlns:p14="http://schemas.microsoft.com/office/powerpoint/2010/main" Requires="p14">
+    <mc:Choice xmlns:p14="http://schemas.microsoft.com/office/powerpoint/2010/main" xmlns="" Requires="p14">
       <p:transition spd="med" p14:dur="700">
         <p:fade/>
       </p:transition>
@@ -7017,7 +7017,7 @@
     </p:spTree>
     <p:extLst>
       <p:ext uri="{BB962C8B-B14F-4D97-AF65-F5344CB8AC3E}">
-        <p14:creationId xmlns="" xmlns:p14="http://schemas.microsoft.com/office/powerpoint/2010/main" val="370465318"/>
+        <p14:creationId xmlns:p14="http://schemas.microsoft.com/office/powerpoint/2010/main" xmlns="" val="370465318"/>
       </p:ext>
     </p:extLst>
   </p:cSld>
@@ -7025,7 +7025,7 @@
     <a:masterClrMapping/>
   </p:clrMapOvr>
   <mc:AlternateContent xmlns:mc="http://schemas.openxmlformats.org/markup-compatibility/2006">
-    <mc:Choice xmlns="" xmlns:p14="http://schemas.microsoft.com/office/powerpoint/2010/main" Requires="p14">
+    <mc:Choice xmlns:p14="http://schemas.microsoft.com/office/powerpoint/2010/main" xmlns="" Requires="p14">
       <p:transition spd="med" p14:dur="700">
         <p:fade/>
       </p:transition>
@@ -7147,7 +7147,7 @@
     </p:spTree>
     <p:extLst>
       <p:ext uri="{BB962C8B-B14F-4D97-AF65-F5344CB8AC3E}">
-        <p14:creationId xmlns="" xmlns:p14="http://schemas.microsoft.com/office/powerpoint/2010/main" val="2325936245"/>
+        <p14:creationId xmlns:p14="http://schemas.microsoft.com/office/powerpoint/2010/main" xmlns="" val="2325936245"/>
       </p:ext>
     </p:extLst>
   </p:cSld>
@@ -7155,7 +7155,7 @@
     <a:masterClrMapping/>
   </p:clrMapOvr>
   <mc:AlternateContent xmlns:mc="http://schemas.openxmlformats.org/markup-compatibility/2006">
-    <mc:Choice xmlns="" xmlns:p14="http://schemas.microsoft.com/office/powerpoint/2010/main" Requires="p14">
+    <mc:Choice xmlns:p14="http://schemas.microsoft.com/office/powerpoint/2010/main" xmlns="" Requires="p14">
       <p:transition spd="med" p14:dur="700">
         <p:fade/>
       </p:transition>
@@ -7332,7 +7332,7 @@
     </p:spTree>
     <p:extLst>
       <p:ext uri="{BB962C8B-B14F-4D97-AF65-F5344CB8AC3E}">
-        <p14:creationId xmlns="" xmlns:p14="http://schemas.microsoft.com/office/powerpoint/2010/main" val="3059283975"/>
+        <p14:creationId xmlns:p14="http://schemas.microsoft.com/office/powerpoint/2010/main" xmlns="" val="3059283975"/>
       </p:ext>
     </p:extLst>
   </p:cSld>
@@ -7340,7 +7340,7 @@
     <a:masterClrMapping/>
   </p:clrMapOvr>
   <mc:AlternateContent xmlns:mc="http://schemas.openxmlformats.org/markup-compatibility/2006">
-    <mc:Choice xmlns="" xmlns:p14="http://schemas.microsoft.com/office/powerpoint/2010/main" Requires="p14">
+    <mc:Choice xmlns:p14="http://schemas.microsoft.com/office/powerpoint/2010/main" xmlns="" Requires="p14">
       <p:transition spd="med" p14:dur="700">
         <p:fade/>
       </p:transition>
@@ -7740,7 +7740,7 @@
     </p:spTree>
     <p:extLst>
       <p:ext uri="{BB962C8B-B14F-4D97-AF65-F5344CB8AC3E}">
-        <p14:creationId xmlns="" xmlns:p14="http://schemas.microsoft.com/office/powerpoint/2010/main" val="378571315"/>
+        <p14:creationId xmlns:p14="http://schemas.microsoft.com/office/powerpoint/2010/main" xmlns="" val="378571315"/>
       </p:ext>
     </p:extLst>
   </p:cSld>
@@ -7748,7 +7748,7 @@
     <a:masterClrMapping/>
   </p:clrMapOvr>
   <mc:AlternateContent xmlns:mc="http://schemas.openxmlformats.org/markup-compatibility/2006">
-    <mc:Choice xmlns="" xmlns:p14="http://schemas.microsoft.com/office/powerpoint/2010/main" Requires="p14">
+    <mc:Choice xmlns:p14="http://schemas.microsoft.com/office/powerpoint/2010/main" xmlns="" Requires="p14">
       <p:transition spd="med" p14:dur="700">
         <p:fade/>
       </p:transition>
@@ -8005,7 +8005,7 @@
     </p:spTree>
     <p:extLst>
       <p:ext uri="{BB962C8B-B14F-4D97-AF65-F5344CB8AC3E}">
-        <p14:creationId xmlns="" xmlns:p14="http://schemas.microsoft.com/office/powerpoint/2010/main" val="3244251335"/>
+        <p14:creationId xmlns:p14="http://schemas.microsoft.com/office/powerpoint/2010/main" xmlns="" val="3244251335"/>
       </p:ext>
     </p:extLst>
   </p:cSld>
@@ -8013,7 +8013,7 @@
     <a:masterClrMapping/>
   </p:clrMapOvr>
   <mc:AlternateContent xmlns:mc="http://schemas.openxmlformats.org/markup-compatibility/2006">
-    <mc:Choice xmlns="" xmlns:p14="http://schemas.microsoft.com/office/powerpoint/2010/main" Requires="p14">
+    <mc:Choice xmlns:p14="http://schemas.microsoft.com/office/powerpoint/2010/main" xmlns="" Requires="p14">
       <p:transition spd="med" p14:dur="700">
         <p:fade/>
       </p:transition>
@@ -8588,7 +8588,7 @@
     <p:sldLayoutId id="2147483659" r:id="rId11"/>
   </p:sldLayoutIdLst>
   <mc:AlternateContent xmlns:mc="http://schemas.openxmlformats.org/markup-compatibility/2006">
-    <mc:Choice xmlns="" xmlns:p14="http://schemas.microsoft.com/office/powerpoint/2010/main" Requires="p14">
+    <mc:Choice xmlns:p14="http://schemas.microsoft.com/office/powerpoint/2010/main" xmlns="" Requires="p14">
       <p:transition spd="med" p14:dur="700">
         <p:fade/>
       </p:transition>
@@ -9199,7 +9199,7 @@
     <a:masterClrMapping/>
   </p:clrMapOvr>
   <mc:AlternateContent xmlns:mc="http://schemas.openxmlformats.org/markup-compatibility/2006">
-    <mc:Choice xmlns="" xmlns:p14="http://schemas.microsoft.com/office/powerpoint/2010/main" Requires="p14">
+    <mc:Choice xmlns:p14="http://schemas.microsoft.com/office/powerpoint/2010/main" xmlns="" Requires="p14">
       <p:transition spd="med" p14:dur="700">
         <p:fade/>
       </p:transition>
@@ -10368,7 +10368,7 @@
     <a:masterClrMapping/>
   </p:clrMapOvr>
   <mc:AlternateContent xmlns:mc="http://schemas.openxmlformats.org/markup-compatibility/2006">
-    <mc:Choice xmlns="" xmlns:p14="http://schemas.microsoft.com/office/powerpoint/2010/main" Requires="p14">
+    <mc:Choice xmlns:p14="http://schemas.microsoft.com/office/powerpoint/2010/main" xmlns="" Requires="p14">
       <p:transition spd="med" p14:dur="700">
         <p:fade/>
       </p:transition>
@@ -11483,7 +11483,7 @@
     <a:masterClrMapping/>
   </p:clrMapOvr>
   <mc:AlternateContent xmlns:mc="http://schemas.openxmlformats.org/markup-compatibility/2006">
-    <mc:Choice xmlns="" xmlns:p14="http://schemas.microsoft.com/office/powerpoint/2010/main" Requires="p14">
+    <mc:Choice xmlns:p14="http://schemas.microsoft.com/office/powerpoint/2010/main" xmlns="" Requires="p14">
       <p:transition spd="med" p14:dur="700">
         <p:fade/>
       </p:transition>
@@ -12468,7 +12468,7 @@
     <a:masterClrMapping/>
   </p:clrMapOvr>
   <mc:AlternateContent xmlns:mc="http://schemas.openxmlformats.org/markup-compatibility/2006">
-    <mc:Choice xmlns="" xmlns:p14="http://schemas.microsoft.com/office/powerpoint/2010/main" Requires="p14">
+    <mc:Choice xmlns:p14="http://schemas.microsoft.com/office/powerpoint/2010/main" xmlns="" Requires="p14">
       <p:transition spd="med" p14:dur="700">
         <p:fade/>
       </p:transition>
@@ -13401,7 +13401,7 @@
     </p:spTree>
     <p:extLst>
       <p:ext uri="{BB962C8B-B14F-4D97-AF65-F5344CB8AC3E}">
-        <p14:creationId xmlns="" xmlns:p14="http://schemas.microsoft.com/office/powerpoint/2010/main" val="825497921"/>
+        <p14:creationId xmlns:p14="http://schemas.microsoft.com/office/powerpoint/2010/main" xmlns="" val="825497921"/>
       </p:ext>
     </p:extLst>
   </p:cSld>
@@ -13409,7 +13409,7 @@
     <a:masterClrMapping/>
   </p:clrMapOvr>
   <mc:AlternateContent xmlns:mc="http://schemas.openxmlformats.org/markup-compatibility/2006">
-    <mc:Choice xmlns="" xmlns:p14="http://schemas.microsoft.com/office/powerpoint/2010/main" Requires="p14">
+    <mc:Choice xmlns:p14="http://schemas.microsoft.com/office/powerpoint/2010/main" xmlns="" Requires="p14">
       <p:transition spd="med" p14:dur="700">
         <p:fade/>
       </p:transition>
@@ -13972,7 +13972,7 @@
     </p:spTree>
     <p:extLst>
       <p:ext uri="{BB962C8B-B14F-4D97-AF65-F5344CB8AC3E}">
-        <p14:creationId xmlns="" xmlns:p14="http://schemas.microsoft.com/office/powerpoint/2010/main" val="1475684436"/>
+        <p14:creationId xmlns:p14="http://schemas.microsoft.com/office/powerpoint/2010/main" xmlns="" val="1475684436"/>
       </p:ext>
     </p:extLst>
   </p:cSld>
@@ -13980,7 +13980,7 @@
     <a:masterClrMapping/>
   </p:clrMapOvr>
   <mc:AlternateContent xmlns:mc="http://schemas.openxmlformats.org/markup-compatibility/2006">
-    <mc:Choice xmlns="" xmlns:p14="http://schemas.microsoft.com/office/powerpoint/2010/main" Requires="p14">
+    <mc:Choice xmlns:p14="http://schemas.microsoft.com/office/powerpoint/2010/main" xmlns="" Requires="p14">
       <p:transition spd="med" p14:dur="700">
         <p:fade/>
       </p:transition>
@@ -14590,7 +14590,7 @@
     </p:spTree>
     <p:extLst>
       <p:ext uri="{BB962C8B-B14F-4D97-AF65-F5344CB8AC3E}">
-        <p14:creationId xmlns="" xmlns:p14="http://schemas.microsoft.com/office/powerpoint/2010/main" val="1475684436"/>
+        <p14:creationId xmlns:p14="http://schemas.microsoft.com/office/powerpoint/2010/main" xmlns="" val="1475684436"/>
       </p:ext>
     </p:extLst>
   </p:cSld>
@@ -14598,7 +14598,7 @@
     <a:masterClrMapping/>
   </p:clrMapOvr>
   <mc:AlternateContent xmlns:mc="http://schemas.openxmlformats.org/markup-compatibility/2006">
-    <mc:Choice xmlns="" xmlns:p14="http://schemas.microsoft.com/office/powerpoint/2010/main" Requires="p14">
+    <mc:Choice xmlns:p14="http://schemas.microsoft.com/office/powerpoint/2010/main" xmlns="" Requires="p14">
       <p:transition spd="med" p14:dur="700">
         <p:fade/>
       </p:transition>
@@ -16028,7 +16028,7 @@
     </p:spTree>
     <p:extLst>
       <p:ext uri="{BB962C8B-B14F-4D97-AF65-F5344CB8AC3E}">
-        <p14:creationId xmlns="" xmlns:p14="http://schemas.microsoft.com/office/powerpoint/2010/main" val="2712302225"/>
+        <p14:creationId xmlns:p14="http://schemas.microsoft.com/office/powerpoint/2010/main" xmlns="" val="2712302225"/>
       </p:ext>
     </p:extLst>
   </p:cSld>
@@ -16036,7 +16036,7 @@
     <a:masterClrMapping/>
   </p:clrMapOvr>
   <mc:AlternateContent xmlns:mc="http://schemas.openxmlformats.org/markup-compatibility/2006">
-    <mc:Choice xmlns="" xmlns:p14="http://schemas.microsoft.com/office/powerpoint/2010/main" Requires="p14">
+    <mc:Choice xmlns:p14="http://schemas.microsoft.com/office/powerpoint/2010/main" xmlns="" Requires="p14">
       <p:transition spd="med" p14:dur="700">
         <p:fade/>
       </p:transition>
@@ -17373,7 +17373,7 @@
     </p:spTree>
     <p:extLst>
       <p:ext uri="{BB962C8B-B14F-4D97-AF65-F5344CB8AC3E}">
-        <p14:creationId xmlns="" xmlns:p14="http://schemas.microsoft.com/office/powerpoint/2010/main" val="2842108802"/>
+        <p14:creationId xmlns:p14="http://schemas.microsoft.com/office/powerpoint/2010/main" xmlns="" val="2842108802"/>
       </p:ext>
     </p:extLst>
   </p:cSld>
@@ -17381,7 +17381,7 @@
     <a:masterClrMapping/>
   </p:clrMapOvr>
   <mc:AlternateContent xmlns:mc="http://schemas.openxmlformats.org/markup-compatibility/2006">
-    <mc:Choice xmlns="" xmlns:p14="http://schemas.microsoft.com/office/powerpoint/2010/main" Requires="p14">
+    <mc:Choice xmlns:p14="http://schemas.microsoft.com/office/powerpoint/2010/main" xmlns="" Requires="p14">
       <p:transition spd="med" p14:dur="700">
         <p:fade/>
       </p:transition>
@@ -18311,7 +18311,7 @@
           <a:blip r:embed="rId4" cstate="print">
             <a:extLst>
               <a:ext uri="{28A0092B-C50C-407E-A947-70E740481C1C}">
-                <a14:useLocalDpi xmlns="" xmlns:a14="http://schemas.microsoft.com/office/drawing/2010/main" val="0"/>
+                <a14:useLocalDpi xmlns:a14="http://schemas.microsoft.com/office/drawing/2010/main" xmlns="" val="0"/>
               </a:ext>
             </a:extLst>
           </a:blip>
@@ -18331,7 +18331,7 @@
           <a:noFill/>
           <a:extLst>
             <a:ext uri="{909E8E84-426E-40DD-AFC4-6F175D3DCCD1}">
-              <a14:hiddenFill xmlns="" xmlns:a14="http://schemas.microsoft.com/office/drawing/2010/main">
+              <a14:hiddenFill xmlns:a14="http://schemas.microsoft.com/office/drawing/2010/main" xmlns="">
                 <a:solidFill>
                   <a:srgbClr val="FFFFFF"/>
                 </a:solidFill>
@@ -18362,7 +18362,7 @@
     </p:spTree>
     <p:extLst>
       <p:ext uri="{BB962C8B-B14F-4D97-AF65-F5344CB8AC3E}">
-        <p14:creationId xmlns="" xmlns:p14="http://schemas.microsoft.com/office/powerpoint/2010/main" val="20845965"/>
+        <p14:creationId xmlns:p14="http://schemas.microsoft.com/office/powerpoint/2010/main" xmlns="" val="20845965"/>
       </p:ext>
     </p:extLst>
   </p:cSld>
@@ -18370,7 +18370,7 @@
     <a:masterClrMapping/>
   </p:clrMapOvr>
   <mc:AlternateContent xmlns:mc="http://schemas.openxmlformats.org/markup-compatibility/2006">
-    <mc:Choice xmlns="" xmlns:p14="http://schemas.microsoft.com/office/powerpoint/2010/main" Requires="p14">
+    <mc:Choice xmlns:p14="http://schemas.microsoft.com/office/powerpoint/2010/main" xmlns="" Requires="p14">
       <p:transition spd="med" p14:dur="700">
         <p:fade/>
       </p:transition>
@@ -18873,7 +18873,7 @@
     <a:masterClrMapping/>
   </p:clrMapOvr>
   <mc:AlternateContent xmlns:mc="http://schemas.openxmlformats.org/markup-compatibility/2006">
-    <mc:Choice xmlns="" xmlns:p14="http://schemas.microsoft.com/office/powerpoint/2010/main" Requires="p14">
+    <mc:Choice xmlns:p14="http://schemas.microsoft.com/office/powerpoint/2010/main" xmlns="" Requires="p14">
       <p:transition spd="med" p14:dur="700">
         <p:fade/>
       </p:transition>
@@ -19458,7 +19458,7 @@
     <a:masterClrMapping/>
   </p:clrMapOvr>
   <mc:AlternateContent xmlns:mc="http://schemas.openxmlformats.org/markup-compatibility/2006">
-    <mc:Choice xmlns="" xmlns:p14="http://schemas.microsoft.com/office/powerpoint/2010/main" Requires="p14">
+    <mc:Choice xmlns:p14="http://schemas.microsoft.com/office/powerpoint/2010/main" xmlns="" Requires="p14">
       <p:transition spd="med" p14:dur="700">
         <p:fade/>
       </p:transition>
@@ -20311,7 +20311,7 @@
     <a:masterClrMapping/>
   </p:clrMapOvr>
   <mc:AlternateContent xmlns:mc="http://schemas.openxmlformats.org/markup-compatibility/2006">
-    <mc:Choice xmlns="" xmlns:p14="http://schemas.microsoft.com/office/powerpoint/2010/main" Requires="p14">
+    <mc:Choice xmlns:p14="http://schemas.microsoft.com/office/powerpoint/2010/main" xmlns="" Requires="p14">
       <p:transition spd="med" p14:dur="700">
         <p:fade/>
       </p:transition>
@@ -21253,7 +21253,7 @@
     </p:spTree>
     <p:extLst>
       <p:ext uri="{BB962C8B-B14F-4D97-AF65-F5344CB8AC3E}">
-        <p14:creationId xmlns="" xmlns:p14="http://schemas.microsoft.com/office/powerpoint/2010/main" val="1767818964"/>
+        <p14:creationId xmlns:p14="http://schemas.microsoft.com/office/powerpoint/2010/main" xmlns="" val="1767818964"/>
       </p:ext>
     </p:extLst>
   </p:cSld>
@@ -22427,7 +22427,7 @@
     </p:spTree>
     <p:extLst>
       <p:ext uri="{BB962C8B-B14F-4D97-AF65-F5344CB8AC3E}">
-        <p14:creationId xmlns="" xmlns:p14="http://schemas.microsoft.com/office/powerpoint/2010/main" val="1767818964"/>
+        <p14:creationId xmlns:p14="http://schemas.microsoft.com/office/powerpoint/2010/main" xmlns="" val="1767818964"/>
       </p:ext>
     </p:extLst>
   </p:cSld>
@@ -22956,326 +22956,6 @@
           </a:p>
         </p:txBody>
       </p:sp>
-      <p:pic>
-        <p:nvPicPr>
-          <p:cNvPr id="5" name="Afbeelding 4"/>
-          <p:cNvPicPr>
-            <a:picLocks noChangeAspect="1"/>
-          </p:cNvPicPr>
-          <p:nvPr/>
-        </p:nvPicPr>
-        <p:blipFill>
-          <a:blip r:embed="rId4" cstate="print">
-            <a:lum/>
-            <a:alphaModFix/>
-          </a:blip>
-          <a:srcRect/>
-          <a:stretch>
-            <a:fillRect/>
-          </a:stretch>
-        </p:blipFill>
-        <p:spPr>
-          <a:xfrm>
-            <a:off x="2540520" y="3840479"/>
-            <a:ext cx="1574280" cy="1498319"/>
-          </a:xfrm>
-          <a:prstGeom prst="rect">
-            <a:avLst/>
-          </a:prstGeom>
-          <a:noFill/>
-          <a:ln>
-            <a:noFill/>
-          </a:ln>
-        </p:spPr>
-      </p:pic>
-      <p:pic>
-        <p:nvPicPr>
-          <p:cNvPr id="6" name="Afbeelding 5"/>
-          <p:cNvPicPr>
-            <a:picLocks noChangeAspect="1"/>
-          </p:cNvPicPr>
-          <p:nvPr/>
-        </p:nvPicPr>
-        <p:blipFill>
-          <a:blip r:embed="rId4" cstate="print">
-            <a:lum/>
-            <a:alphaModFix/>
-          </a:blip>
-          <a:srcRect/>
-          <a:stretch>
-            <a:fillRect/>
-          </a:stretch>
-        </p:blipFill>
-        <p:spPr>
-          <a:xfrm>
-            <a:off x="6217919" y="2159280"/>
-            <a:ext cx="1574280" cy="1498319"/>
-          </a:xfrm>
-          <a:prstGeom prst="rect">
-            <a:avLst/>
-          </a:prstGeom>
-          <a:noFill/>
-          <a:ln>
-            <a:noFill/>
-          </a:ln>
-        </p:spPr>
-      </p:pic>
-      <p:pic>
-        <p:nvPicPr>
-          <p:cNvPr id="7" name="Afbeelding 6"/>
-          <p:cNvPicPr>
-            <a:picLocks noChangeAspect="1"/>
-          </p:cNvPicPr>
-          <p:nvPr/>
-        </p:nvPicPr>
-        <p:blipFill>
-          <a:blip r:embed="rId4" cstate="print">
-            <a:lum/>
-            <a:alphaModFix/>
-          </a:blip>
-          <a:srcRect/>
-          <a:stretch>
-            <a:fillRect/>
-          </a:stretch>
-        </p:blipFill>
-        <p:spPr>
-          <a:xfrm>
-            <a:off x="4389120" y="2159280"/>
-            <a:ext cx="1574280" cy="1498319"/>
-          </a:xfrm>
-          <a:prstGeom prst="rect">
-            <a:avLst/>
-          </a:prstGeom>
-          <a:noFill/>
-          <a:ln>
-            <a:noFill/>
-          </a:ln>
-        </p:spPr>
-      </p:pic>
-      <p:pic>
-        <p:nvPicPr>
-          <p:cNvPr id="8" name="Afbeelding 7"/>
-          <p:cNvPicPr>
-            <a:picLocks noChangeAspect="1"/>
-          </p:cNvPicPr>
-          <p:nvPr/>
-        </p:nvPicPr>
-        <p:blipFill>
-          <a:blip r:embed="rId4" cstate="print">
-            <a:lum/>
-            <a:alphaModFix/>
-          </a:blip>
-          <a:srcRect/>
-          <a:stretch>
-            <a:fillRect/>
-          </a:stretch>
-        </p:blipFill>
-        <p:spPr>
-          <a:xfrm>
-            <a:off x="2540520" y="2159280"/>
-            <a:ext cx="1574280" cy="1498319"/>
-          </a:xfrm>
-          <a:prstGeom prst="rect">
-            <a:avLst/>
-          </a:prstGeom>
-          <a:noFill/>
-          <a:ln>
-            <a:noFill/>
-          </a:ln>
-        </p:spPr>
-      </p:pic>
-      <p:pic>
-        <p:nvPicPr>
-          <p:cNvPr id="9" name="Afbeelding 8"/>
-          <p:cNvPicPr>
-            <a:picLocks noChangeAspect="1"/>
-          </p:cNvPicPr>
-          <p:nvPr/>
-        </p:nvPicPr>
-        <p:blipFill>
-          <a:blip r:embed="rId4" cstate="print">
-            <a:lum/>
-            <a:alphaModFix/>
-          </a:blip>
-          <a:srcRect/>
-          <a:stretch>
-            <a:fillRect/>
-          </a:stretch>
-        </p:blipFill>
-        <p:spPr>
-          <a:xfrm>
-            <a:off x="731519" y="2159280"/>
-            <a:ext cx="1574280" cy="1498319"/>
-          </a:xfrm>
-          <a:prstGeom prst="rect">
-            <a:avLst/>
-          </a:prstGeom>
-          <a:noFill/>
-          <a:ln>
-            <a:noFill/>
-          </a:ln>
-        </p:spPr>
-      </p:pic>
-      <p:pic>
-        <p:nvPicPr>
-          <p:cNvPr id="10" name="Afbeelding 9"/>
-          <p:cNvPicPr>
-            <a:picLocks noChangeAspect="1"/>
-          </p:cNvPicPr>
-          <p:nvPr/>
-        </p:nvPicPr>
-        <p:blipFill>
-          <a:blip r:embed="rId4" cstate="print">
-            <a:lum/>
-            <a:alphaModFix/>
-          </a:blip>
-          <a:srcRect/>
-          <a:stretch>
-            <a:fillRect/>
-          </a:stretch>
-        </p:blipFill>
-        <p:spPr>
-          <a:xfrm>
-            <a:off x="4369319" y="3805200"/>
-            <a:ext cx="1574280" cy="1498319"/>
-          </a:xfrm>
-          <a:prstGeom prst="rect">
-            <a:avLst/>
-          </a:prstGeom>
-          <a:noFill/>
-          <a:ln>
-            <a:noFill/>
-          </a:ln>
-        </p:spPr>
-      </p:pic>
-      <p:pic>
-        <p:nvPicPr>
-          <p:cNvPr id="11" name="Afbeelding 10"/>
-          <p:cNvPicPr>
-            <a:picLocks noChangeAspect="1"/>
-          </p:cNvPicPr>
-          <p:nvPr/>
-        </p:nvPicPr>
-        <p:blipFill>
-          <a:blip r:embed="rId4" cstate="print">
-            <a:lum/>
-            <a:alphaModFix/>
-          </a:blip>
-          <a:srcRect/>
-          <a:stretch>
-            <a:fillRect/>
-          </a:stretch>
-        </p:blipFill>
-        <p:spPr>
-          <a:xfrm>
-            <a:off x="6217919" y="3805200"/>
-            <a:ext cx="1574280" cy="1498319"/>
-          </a:xfrm>
-          <a:prstGeom prst="rect">
-            <a:avLst/>
-          </a:prstGeom>
-          <a:noFill/>
-          <a:ln>
-            <a:noFill/>
-          </a:ln>
-        </p:spPr>
-      </p:pic>
-      <p:pic>
-        <p:nvPicPr>
-          <p:cNvPr id="12" name="Afbeelding 11"/>
-          <p:cNvPicPr>
-            <a:picLocks noChangeAspect="1"/>
-          </p:cNvPicPr>
-          <p:nvPr/>
-        </p:nvPicPr>
-        <p:blipFill>
-          <a:blip r:embed="rId4" cstate="print">
-            <a:lum/>
-            <a:alphaModFix/>
-          </a:blip>
-          <a:srcRect/>
-          <a:stretch>
-            <a:fillRect/>
-          </a:stretch>
-        </p:blipFill>
-        <p:spPr>
-          <a:xfrm>
-            <a:off x="8026920" y="3805200"/>
-            <a:ext cx="1574280" cy="1498319"/>
-          </a:xfrm>
-          <a:prstGeom prst="rect">
-            <a:avLst/>
-          </a:prstGeom>
-          <a:noFill/>
-          <a:ln>
-            <a:noFill/>
-          </a:ln>
-        </p:spPr>
-      </p:pic>
-      <p:pic>
-        <p:nvPicPr>
-          <p:cNvPr id="13" name="Afbeelding 12"/>
-          <p:cNvPicPr>
-            <a:picLocks noChangeAspect="1"/>
-          </p:cNvPicPr>
-          <p:nvPr/>
-        </p:nvPicPr>
-        <p:blipFill>
-          <a:blip r:embed="rId4" cstate="print">
-            <a:lum/>
-            <a:alphaModFix/>
-          </a:blip>
-          <a:srcRect/>
-          <a:stretch>
-            <a:fillRect/>
-          </a:stretch>
-        </p:blipFill>
-        <p:spPr>
-          <a:xfrm>
-            <a:off x="8026920" y="2159280"/>
-            <a:ext cx="1574280" cy="1498319"/>
-          </a:xfrm>
-          <a:prstGeom prst="rect">
-            <a:avLst/>
-          </a:prstGeom>
-          <a:noFill/>
-          <a:ln>
-            <a:noFill/>
-          </a:ln>
-        </p:spPr>
-      </p:pic>
-      <p:pic>
-        <p:nvPicPr>
-          <p:cNvPr id="14" name="Afbeelding 13"/>
-          <p:cNvPicPr>
-            <a:picLocks noChangeAspect="1"/>
-          </p:cNvPicPr>
-          <p:nvPr/>
-        </p:nvPicPr>
-        <p:blipFill>
-          <a:blip r:embed="rId4" cstate="print">
-            <a:lum/>
-            <a:alphaModFix/>
-          </a:blip>
-          <a:srcRect/>
-          <a:stretch>
-            <a:fillRect/>
-          </a:stretch>
-        </p:blipFill>
-        <p:spPr>
-          <a:xfrm>
-            <a:off x="731519" y="3840479"/>
-            <a:ext cx="1574280" cy="1498319"/>
-          </a:xfrm>
-          <a:prstGeom prst="rect">
-            <a:avLst/>
-          </a:prstGeom>
-          <a:noFill/>
-          <a:ln>
-            <a:noFill/>
-          </a:ln>
-        </p:spPr>
-      </p:pic>
       <p:sp>
         <p:nvSpPr>
           <p:cNvPr id="16" name="Titel 7"/>
@@ -23566,13 +23246,143 @@
           </a:p>
         </p:txBody>
       </p:sp>
+      <p:pic>
+        <p:nvPicPr>
+          <p:cNvPr id="1026" name="Picture 2" descr="C:\Users\Gerlinde\workspace\SilverSurfer\SilverSurferVerslag\Verslag Eindverslag\witte_lijn1.jpg"/>
+          <p:cNvPicPr>
+            <a:picLocks noChangeAspect="1" noChangeArrowheads="1"/>
+          </p:cNvPicPr>
+          <p:nvPr/>
+        </p:nvPicPr>
+        <p:blipFill>
+          <a:blip r:embed="rId4" cstate="print"/>
+          <a:srcRect/>
+          <a:stretch>
+            <a:fillRect/>
+          </a:stretch>
+        </p:blipFill>
+        <p:spPr bwMode="auto">
+          <a:xfrm>
+            <a:off x="695325" y="2409825"/>
+            <a:ext cx="1600200" cy="1492723"/>
+          </a:xfrm>
+          <a:prstGeom prst="rect">
+            <a:avLst/>
+          </a:prstGeom>
+          <a:noFill/>
+        </p:spPr>
+      </p:pic>
+      <p:pic>
+        <p:nvPicPr>
+          <p:cNvPr id="1027" name="Picture 3" descr="C:\Users\Gerlinde\workspace\SilverSurfer\SilverSurferVerslag\Verslag Eindverslag\witte_lijn2.jpg"/>
+          <p:cNvPicPr>
+            <a:picLocks noChangeAspect="1" noChangeArrowheads="1"/>
+          </p:cNvPicPr>
+          <p:nvPr/>
+        </p:nvPicPr>
+        <p:blipFill>
+          <a:blip r:embed="rId5" cstate="print"/>
+          <a:srcRect/>
+          <a:stretch>
+            <a:fillRect/>
+          </a:stretch>
+        </p:blipFill>
+        <p:spPr bwMode="auto">
+          <a:xfrm>
+            <a:off x="2600325" y="2409825"/>
+            <a:ext cx="1601568" cy="1494000"/>
+          </a:xfrm>
+          <a:prstGeom prst="rect">
+            <a:avLst/>
+          </a:prstGeom>
+          <a:noFill/>
+        </p:spPr>
+      </p:pic>
+      <p:pic>
+        <p:nvPicPr>
+          <p:cNvPr id="1028" name="Picture 4" descr="C:\Users\Gerlinde\workspace\SilverSurfer\SilverSurferVerslag\Verslag Eindverslag\witte_lijn3.jpg"/>
+          <p:cNvPicPr>
+            <a:picLocks noChangeAspect="1" noChangeArrowheads="1"/>
+          </p:cNvPicPr>
+          <p:nvPr/>
+        </p:nvPicPr>
+        <p:blipFill>
+          <a:blip r:embed="rId6" cstate="print"/>
+          <a:srcRect/>
+          <a:stretch>
+            <a:fillRect/>
+          </a:stretch>
+        </p:blipFill>
+        <p:spPr bwMode="auto">
+          <a:xfrm>
+            <a:off x="4429125" y="2409825"/>
+            <a:ext cx="1601568" cy="1494000"/>
+          </a:xfrm>
+          <a:prstGeom prst="rect">
+            <a:avLst/>
+          </a:prstGeom>
+          <a:noFill/>
+        </p:spPr>
+      </p:pic>
+      <p:pic>
+        <p:nvPicPr>
+          <p:cNvPr id="1029" name="Picture 5" descr="C:\Users\Gerlinde\workspace\SilverSurfer\SilverSurferVerslag\Verslag Eindverslag\witte_lijn4.jpg"/>
+          <p:cNvPicPr>
+            <a:picLocks noChangeAspect="1" noChangeArrowheads="1"/>
+          </p:cNvPicPr>
+          <p:nvPr/>
+        </p:nvPicPr>
+        <p:blipFill>
+          <a:blip r:embed="rId7" cstate="print"/>
+          <a:srcRect/>
+          <a:stretch>
+            <a:fillRect/>
+          </a:stretch>
+        </p:blipFill>
+        <p:spPr bwMode="auto">
+          <a:xfrm>
+            <a:off x="6334125" y="2409825"/>
+            <a:ext cx="1601568" cy="1494000"/>
+          </a:xfrm>
+          <a:prstGeom prst="rect">
+            <a:avLst/>
+          </a:prstGeom>
+          <a:noFill/>
+        </p:spPr>
+      </p:pic>
+      <p:pic>
+        <p:nvPicPr>
+          <p:cNvPr id="1030" name="Picture 6" descr="C:\Users\Gerlinde\workspace\SilverSurfer\SilverSurferVerslag\Verslag Eindverslag\witte_lijn5.jpg"/>
+          <p:cNvPicPr>
+            <a:picLocks noChangeAspect="1" noChangeArrowheads="1"/>
+          </p:cNvPicPr>
+          <p:nvPr/>
+        </p:nvPicPr>
+        <p:blipFill>
+          <a:blip r:embed="rId8" cstate="print"/>
+          <a:srcRect/>
+          <a:stretch>
+            <a:fillRect/>
+          </a:stretch>
+        </p:blipFill>
+        <p:spPr bwMode="auto">
+          <a:xfrm>
+            <a:off x="8162925" y="2409825"/>
+            <a:ext cx="1601568" cy="1494000"/>
+          </a:xfrm>
+          <a:prstGeom prst="rect">
+            <a:avLst/>
+          </a:prstGeom>
+          <a:noFill/>
+        </p:spPr>
+      </p:pic>
     </p:spTree>
   </p:cSld>
   <p:clrMapOvr>
     <a:masterClrMapping/>
   </p:clrMapOvr>
   <mc:AlternateContent xmlns:mc="http://schemas.openxmlformats.org/markup-compatibility/2006">
-    <mc:Choice xmlns="" xmlns:p14="http://schemas.microsoft.com/office/powerpoint/2010/main" Requires="p14">
+    <mc:Choice xmlns:p14="http://schemas.microsoft.com/office/powerpoint/2010/main" xmlns="" Requires="p14">
       <p:transition spd="med" p14:dur="700">
         <p:fade/>
       </p:transition>
@@ -23673,464 +23483,6 @@
                                           </p:stCondLst>
                                         </p:cTn>
                                         <p:tgtEl>
-                                          <p:spTgt spid="9"/>
-                                        </p:tgtEl>
-                                        <p:attrNameLst>
-                                          <p:attrName>style.visibility</p:attrName>
-                                        </p:attrNameLst>
-                                      </p:cBhvr>
-                                      <p:to>
-                                        <p:strVal val="visible"/>
-                                      </p:to>
-                                    </p:set>
-                                    <p:animEffect transition="in" filter="fade">
-                                      <p:cBhvr>
-                                        <p:cTn id="12" dur="500"/>
-                                        <p:tgtEl>
-                                          <p:spTgt spid="9"/>
-                                        </p:tgtEl>
-                                      </p:cBhvr>
-                                    </p:animEffect>
-                                  </p:childTnLst>
-                                </p:cTn>
-                              </p:par>
-                            </p:childTnLst>
-                          </p:cTn>
-                        </p:par>
-                        <p:par>
-                          <p:cTn id="13" fill="hold">
-                            <p:stCondLst>
-                              <p:cond delay="500"/>
-                            </p:stCondLst>
-                            <p:childTnLst>
-                              <p:par>
-                                <p:cTn id="14" presetID="10" presetClass="entr" presetSubtype="0" fill="hold" nodeType="afterEffect">
-                                  <p:stCondLst>
-                                    <p:cond delay="0"/>
-                                  </p:stCondLst>
-                                  <p:childTnLst>
-                                    <p:set>
-                                      <p:cBhvr>
-                                        <p:cTn id="15" dur="1" fill="hold">
-                                          <p:stCondLst>
-                                            <p:cond delay="0"/>
-                                          </p:stCondLst>
-                                        </p:cTn>
-                                        <p:tgtEl>
-                                          <p:spTgt spid="8"/>
-                                        </p:tgtEl>
-                                        <p:attrNameLst>
-                                          <p:attrName>style.visibility</p:attrName>
-                                        </p:attrNameLst>
-                                      </p:cBhvr>
-                                      <p:to>
-                                        <p:strVal val="visible"/>
-                                      </p:to>
-                                    </p:set>
-                                    <p:animEffect transition="in" filter="fade">
-                                      <p:cBhvr>
-                                        <p:cTn id="16" dur="500"/>
-                                        <p:tgtEl>
-                                          <p:spTgt spid="8"/>
-                                        </p:tgtEl>
-                                      </p:cBhvr>
-                                    </p:animEffect>
-                                  </p:childTnLst>
-                                </p:cTn>
-                              </p:par>
-                            </p:childTnLst>
-                          </p:cTn>
-                        </p:par>
-                        <p:par>
-                          <p:cTn id="17" fill="hold">
-                            <p:stCondLst>
-                              <p:cond delay="1000"/>
-                            </p:stCondLst>
-                            <p:childTnLst>
-                              <p:par>
-                                <p:cTn id="18" presetID="10" presetClass="entr" presetSubtype="0" fill="hold" nodeType="afterEffect">
-                                  <p:stCondLst>
-                                    <p:cond delay="0"/>
-                                  </p:stCondLst>
-                                  <p:childTnLst>
-                                    <p:set>
-                                      <p:cBhvr>
-                                        <p:cTn id="19" dur="1" fill="hold">
-                                          <p:stCondLst>
-                                            <p:cond delay="0"/>
-                                          </p:stCondLst>
-                                        </p:cTn>
-                                        <p:tgtEl>
-                                          <p:spTgt spid="7"/>
-                                        </p:tgtEl>
-                                        <p:attrNameLst>
-                                          <p:attrName>style.visibility</p:attrName>
-                                        </p:attrNameLst>
-                                      </p:cBhvr>
-                                      <p:to>
-                                        <p:strVal val="visible"/>
-                                      </p:to>
-                                    </p:set>
-                                    <p:animEffect transition="in" filter="fade">
-                                      <p:cBhvr>
-                                        <p:cTn id="20" dur="500"/>
-                                        <p:tgtEl>
-                                          <p:spTgt spid="7"/>
-                                        </p:tgtEl>
-                                      </p:cBhvr>
-                                    </p:animEffect>
-                                  </p:childTnLst>
-                                </p:cTn>
-                              </p:par>
-                            </p:childTnLst>
-                          </p:cTn>
-                        </p:par>
-                        <p:par>
-                          <p:cTn id="21" fill="hold">
-                            <p:stCondLst>
-                              <p:cond delay="1500"/>
-                            </p:stCondLst>
-                            <p:childTnLst>
-                              <p:par>
-                                <p:cTn id="22" presetID="10" presetClass="entr" presetSubtype="0" fill="hold" nodeType="afterEffect">
-                                  <p:stCondLst>
-                                    <p:cond delay="0"/>
-                                  </p:stCondLst>
-                                  <p:childTnLst>
-                                    <p:set>
-                                      <p:cBhvr>
-                                        <p:cTn id="23" dur="1" fill="hold">
-                                          <p:stCondLst>
-                                            <p:cond delay="0"/>
-                                          </p:stCondLst>
-                                        </p:cTn>
-                                        <p:tgtEl>
-                                          <p:spTgt spid="6"/>
-                                        </p:tgtEl>
-                                        <p:attrNameLst>
-                                          <p:attrName>style.visibility</p:attrName>
-                                        </p:attrNameLst>
-                                      </p:cBhvr>
-                                      <p:to>
-                                        <p:strVal val="visible"/>
-                                      </p:to>
-                                    </p:set>
-                                    <p:animEffect transition="in" filter="fade">
-                                      <p:cBhvr>
-                                        <p:cTn id="24" dur="500"/>
-                                        <p:tgtEl>
-                                          <p:spTgt spid="6"/>
-                                        </p:tgtEl>
-                                      </p:cBhvr>
-                                    </p:animEffect>
-                                  </p:childTnLst>
-                                </p:cTn>
-                              </p:par>
-                            </p:childTnLst>
-                          </p:cTn>
-                        </p:par>
-                        <p:par>
-                          <p:cTn id="25" fill="hold">
-                            <p:stCondLst>
-                              <p:cond delay="2000"/>
-                            </p:stCondLst>
-                            <p:childTnLst>
-                              <p:par>
-                                <p:cTn id="26" presetID="10" presetClass="entr" presetSubtype="0" fill="hold" nodeType="afterEffect">
-                                  <p:stCondLst>
-                                    <p:cond delay="0"/>
-                                  </p:stCondLst>
-                                  <p:childTnLst>
-                                    <p:set>
-                                      <p:cBhvr>
-                                        <p:cTn id="27" dur="1" fill="hold">
-                                          <p:stCondLst>
-                                            <p:cond delay="0"/>
-                                          </p:stCondLst>
-                                        </p:cTn>
-                                        <p:tgtEl>
-                                          <p:spTgt spid="13"/>
-                                        </p:tgtEl>
-                                        <p:attrNameLst>
-                                          <p:attrName>style.visibility</p:attrName>
-                                        </p:attrNameLst>
-                                      </p:cBhvr>
-                                      <p:to>
-                                        <p:strVal val="visible"/>
-                                      </p:to>
-                                    </p:set>
-                                    <p:animEffect transition="in" filter="fade">
-                                      <p:cBhvr>
-                                        <p:cTn id="28" dur="500"/>
-                                        <p:tgtEl>
-                                          <p:spTgt spid="13"/>
-                                        </p:tgtEl>
-                                      </p:cBhvr>
-                                    </p:animEffect>
-                                  </p:childTnLst>
-                                </p:cTn>
-                              </p:par>
-                            </p:childTnLst>
-                          </p:cTn>
-                        </p:par>
-                      </p:childTnLst>
-                    </p:cTn>
-                  </p:par>
-                  <p:par>
-                    <p:cTn id="29" fill="hold">
-                      <p:stCondLst>
-                        <p:cond delay="indefinite"/>
-                      </p:stCondLst>
-                      <p:childTnLst>
-                        <p:par>
-                          <p:cTn id="30" fill="hold">
-                            <p:stCondLst>
-                              <p:cond delay="0"/>
-                            </p:stCondLst>
-                            <p:childTnLst>
-                              <p:par>
-                                <p:cTn id="31" presetID="10" presetClass="entr" presetSubtype="0" fill="hold" nodeType="clickEffect">
-                                  <p:stCondLst>
-                                    <p:cond delay="0"/>
-                                  </p:stCondLst>
-                                  <p:childTnLst>
-                                    <p:set>
-                                      <p:cBhvr>
-                                        <p:cTn id="32" dur="1" fill="hold">
-                                          <p:stCondLst>
-                                            <p:cond delay="0"/>
-                                          </p:stCondLst>
-                                        </p:cTn>
-                                        <p:tgtEl>
-                                          <p:spTgt spid="14"/>
-                                        </p:tgtEl>
-                                        <p:attrNameLst>
-                                          <p:attrName>style.visibility</p:attrName>
-                                        </p:attrNameLst>
-                                      </p:cBhvr>
-                                      <p:to>
-                                        <p:strVal val="visible"/>
-                                      </p:to>
-                                    </p:set>
-                                    <p:animEffect transition="in" filter="fade">
-                                      <p:cBhvr>
-                                        <p:cTn id="33" dur="500"/>
-                                        <p:tgtEl>
-                                          <p:spTgt spid="14"/>
-                                        </p:tgtEl>
-                                      </p:cBhvr>
-                                    </p:animEffect>
-                                  </p:childTnLst>
-                                </p:cTn>
-                              </p:par>
-                            </p:childTnLst>
-                          </p:cTn>
-                        </p:par>
-                        <p:par>
-                          <p:cTn id="34" fill="hold">
-                            <p:stCondLst>
-                              <p:cond delay="500"/>
-                            </p:stCondLst>
-                            <p:childTnLst>
-                              <p:par>
-                                <p:cTn id="35" presetID="10" presetClass="entr" presetSubtype="0" fill="hold" nodeType="afterEffect">
-                                  <p:stCondLst>
-                                    <p:cond delay="0"/>
-                                  </p:stCondLst>
-                                  <p:childTnLst>
-                                    <p:set>
-                                      <p:cBhvr>
-                                        <p:cTn id="36" dur="1" fill="hold">
-                                          <p:stCondLst>
-                                            <p:cond delay="0"/>
-                                          </p:stCondLst>
-                                        </p:cTn>
-                                        <p:tgtEl>
-                                          <p:spTgt spid="5"/>
-                                        </p:tgtEl>
-                                        <p:attrNameLst>
-                                          <p:attrName>style.visibility</p:attrName>
-                                        </p:attrNameLst>
-                                      </p:cBhvr>
-                                      <p:to>
-                                        <p:strVal val="visible"/>
-                                      </p:to>
-                                    </p:set>
-                                    <p:animEffect transition="in" filter="fade">
-                                      <p:cBhvr>
-                                        <p:cTn id="37" dur="500"/>
-                                        <p:tgtEl>
-                                          <p:spTgt spid="5"/>
-                                        </p:tgtEl>
-                                      </p:cBhvr>
-                                    </p:animEffect>
-                                  </p:childTnLst>
-                                </p:cTn>
-                              </p:par>
-                            </p:childTnLst>
-                          </p:cTn>
-                        </p:par>
-                        <p:par>
-                          <p:cTn id="38" fill="hold">
-                            <p:stCondLst>
-                              <p:cond delay="1000"/>
-                            </p:stCondLst>
-                            <p:childTnLst>
-                              <p:par>
-                                <p:cTn id="39" presetID="10" presetClass="entr" presetSubtype="0" fill="hold" nodeType="afterEffect">
-                                  <p:stCondLst>
-                                    <p:cond delay="0"/>
-                                  </p:stCondLst>
-                                  <p:childTnLst>
-                                    <p:set>
-                                      <p:cBhvr>
-                                        <p:cTn id="40" dur="1" fill="hold">
-                                          <p:stCondLst>
-                                            <p:cond delay="0"/>
-                                          </p:stCondLst>
-                                        </p:cTn>
-                                        <p:tgtEl>
-                                          <p:spTgt spid="10"/>
-                                        </p:tgtEl>
-                                        <p:attrNameLst>
-                                          <p:attrName>style.visibility</p:attrName>
-                                        </p:attrNameLst>
-                                      </p:cBhvr>
-                                      <p:to>
-                                        <p:strVal val="visible"/>
-                                      </p:to>
-                                    </p:set>
-                                    <p:animEffect transition="in" filter="fade">
-                                      <p:cBhvr>
-                                        <p:cTn id="41" dur="500"/>
-                                        <p:tgtEl>
-                                          <p:spTgt spid="10"/>
-                                        </p:tgtEl>
-                                      </p:cBhvr>
-                                    </p:animEffect>
-                                  </p:childTnLst>
-                                </p:cTn>
-                              </p:par>
-                            </p:childTnLst>
-                          </p:cTn>
-                        </p:par>
-                        <p:par>
-                          <p:cTn id="42" fill="hold">
-                            <p:stCondLst>
-                              <p:cond delay="1500"/>
-                            </p:stCondLst>
-                            <p:childTnLst>
-                              <p:par>
-                                <p:cTn id="43" presetID="10" presetClass="entr" presetSubtype="0" fill="hold" nodeType="afterEffect">
-                                  <p:stCondLst>
-                                    <p:cond delay="0"/>
-                                  </p:stCondLst>
-                                  <p:childTnLst>
-                                    <p:set>
-                                      <p:cBhvr>
-                                        <p:cTn id="44" dur="1" fill="hold">
-                                          <p:stCondLst>
-                                            <p:cond delay="0"/>
-                                          </p:stCondLst>
-                                        </p:cTn>
-                                        <p:tgtEl>
-                                          <p:spTgt spid="11"/>
-                                        </p:tgtEl>
-                                        <p:attrNameLst>
-                                          <p:attrName>style.visibility</p:attrName>
-                                        </p:attrNameLst>
-                                      </p:cBhvr>
-                                      <p:to>
-                                        <p:strVal val="visible"/>
-                                      </p:to>
-                                    </p:set>
-                                    <p:animEffect transition="in" filter="fade">
-                                      <p:cBhvr>
-                                        <p:cTn id="45" dur="500"/>
-                                        <p:tgtEl>
-                                          <p:spTgt spid="11"/>
-                                        </p:tgtEl>
-                                      </p:cBhvr>
-                                    </p:animEffect>
-                                  </p:childTnLst>
-                                </p:cTn>
-                              </p:par>
-                            </p:childTnLst>
-                          </p:cTn>
-                        </p:par>
-                        <p:par>
-                          <p:cTn id="46" fill="hold">
-                            <p:stCondLst>
-                              <p:cond delay="2000"/>
-                            </p:stCondLst>
-                            <p:childTnLst>
-                              <p:par>
-                                <p:cTn id="47" presetID="10" presetClass="entr" presetSubtype="0" fill="hold" nodeType="afterEffect">
-                                  <p:stCondLst>
-                                    <p:cond delay="0"/>
-                                  </p:stCondLst>
-                                  <p:childTnLst>
-                                    <p:set>
-                                      <p:cBhvr>
-                                        <p:cTn id="48" dur="1" fill="hold">
-                                          <p:stCondLst>
-                                            <p:cond delay="0"/>
-                                          </p:stCondLst>
-                                        </p:cTn>
-                                        <p:tgtEl>
-                                          <p:spTgt spid="12"/>
-                                        </p:tgtEl>
-                                        <p:attrNameLst>
-                                          <p:attrName>style.visibility</p:attrName>
-                                        </p:attrNameLst>
-                                      </p:cBhvr>
-                                      <p:to>
-                                        <p:strVal val="visible"/>
-                                      </p:to>
-                                    </p:set>
-                                    <p:animEffect transition="in" filter="fade">
-                                      <p:cBhvr>
-                                        <p:cTn id="49" dur="500"/>
-                                        <p:tgtEl>
-                                          <p:spTgt spid="12"/>
-                                        </p:tgtEl>
-                                      </p:cBhvr>
-                                    </p:animEffect>
-                                  </p:childTnLst>
-                                </p:cTn>
-                              </p:par>
-                            </p:childTnLst>
-                          </p:cTn>
-                        </p:par>
-                      </p:childTnLst>
-                    </p:cTn>
-                  </p:par>
-                  <p:par>
-                    <p:cTn id="50" fill="hold">
-                      <p:stCondLst>
-                        <p:cond delay="indefinite"/>
-                      </p:stCondLst>
-                      <p:childTnLst>
-                        <p:par>
-                          <p:cTn id="51" fill="hold">
-                            <p:stCondLst>
-                              <p:cond delay="0"/>
-                            </p:stCondLst>
-                            <p:childTnLst>
-                              <p:par>
-                                <p:cTn id="52" presetID="10" presetClass="entr" presetSubtype="0" fill="hold" nodeType="clickEffect">
-                                  <p:stCondLst>
-                                    <p:cond delay="0"/>
-                                  </p:stCondLst>
-                                  <p:childTnLst>
-                                    <p:set>
-                                      <p:cBhvr>
-                                        <p:cTn id="53" dur="1" fill="hold">
-                                          <p:stCondLst>
-                                            <p:cond delay="0"/>
-                                          </p:stCondLst>
-                                        </p:cTn>
-                                        <p:tgtEl>
                                           <p:spTgt spid="4">
                                             <p:txEl>
                                               <p:pRg st="0" end="0"/>
@@ -24147,7 +23499,7 @@
                                     </p:set>
                                     <p:animEffect transition="in" filter="fade">
                                       <p:cBhvr>
-                                        <p:cTn id="54" dur="500"/>
+                                        <p:cTn id="12" dur="500"/>
                                         <p:tgtEl>
                                           <p:spTgt spid="4">
                                             <p:txEl>
@@ -24167,26 +23519,26 @@
                     </p:cTn>
                   </p:par>
                   <p:par>
-                    <p:cTn id="55" fill="hold">
+                    <p:cTn id="13" fill="hold">
                       <p:stCondLst>
                         <p:cond delay="indefinite"/>
                       </p:stCondLst>
                       <p:childTnLst>
                         <p:par>
-                          <p:cTn id="56" fill="hold">
+                          <p:cTn id="14" fill="hold">
                             <p:stCondLst>
                               <p:cond delay="0"/>
                             </p:stCondLst>
                             <p:childTnLst>
                               <p:par>
-                                <p:cTn id="57" presetID="10" presetClass="entr" presetSubtype="0" fill="hold" nodeType="clickEffect">
+                                <p:cTn id="15" presetID="10" presetClass="entr" presetSubtype="0" fill="hold" nodeType="clickEffect">
                                   <p:stCondLst>
                                     <p:cond delay="0"/>
                                   </p:stCondLst>
                                   <p:childTnLst>
                                     <p:set>
                                       <p:cBhvr>
-                                        <p:cTn id="58" dur="1" fill="hold">
+                                        <p:cTn id="16" dur="1" fill="hold">
                                           <p:stCondLst>
                                             <p:cond delay="0"/>
                                           </p:stCondLst>
@@ -24208,7 +23560,7 @@
                                     </p:set>
                                     <p:animEffect transition="in" filter="fade">
                                       <p:cBhvr>
-                                        <p:cTn id="59" dur="500"/>
+                                        <p:cTn id="17" dur="500"/>
                                         <p:tgtEl>
                                           <p:spTgt spid="4">
                                             <p:txEl>
@@ -24312,7 +23664,7 @@
         </p:nvSpPr>
         <p:spPr>
           <a:xfrm>
-            <a:off x="731519" y="3657600"/>
+            <a:off x="695325" y="5610225"/>
             <a:ext cx="7110258" cy="916746"/>
           </a:xfrm>
           <a:prstGeom prst="rect">
@@ -24491,166 +23843,6 @@
           </a:p>
         </p:txBody>
       </p:sp>
-      <p:pic>
-        <p:nvPicPr>
-          <p:cNvPr id="6" name="Afbeelding 5"/>
-          <p:cNvPicPr>
-            <a:picLocks noChangeAspect="1"/>
-          </p:cNvPicPr>
-          <p:nvPr/>
-        </p:nvPicPr>
-        <p:blipFill>
-          <a:blip r:embed="rId4" cstate="print">
-            <a:lum/>
-            <a:alphaModFix/>
-          </a:blip>
-          <a:srcRect/>
-          <a:stretch>
-            <a:fillRect/>
-          </a:stretch>
-        </p:blipFill>
-        <p:spPr>
-          <a:xfrm>
-            <a:off x="8118360" y="1920239"/>
-            <a:ext cx="1574280" cy="1498319"/>
-          </a:xfrm>
-          <a:prstGeom prst="rect">
-            <a:avLst/>
-          </a:prstGeom>
-          <a:noFill/>
-          <a:ln>
-            <a:noFill/>
-          </a:ln>
-        </p:spPr>
-      </p:pic>
-      <p:pic>
-        <p:nvPicPr>
-          <p:cNvPr id="7" name="Afbeelding 6"/>
-          <p:cNvPicPr>
-            <a:picLocks noChangeAspect="1"/>
-          </p:cNvPicPr>
-          <p:nvPr/>
-        </p:nvPicPr>
-        <p:blipFill>
-          <a:blip r:embed="rId4" cstate="print">
-            <a:lum/>
-            <a:alphaModFix/>
-          </a:blip>
-          <a:srcRect/>
-          <a:stretch>
-            <a:fillRect/>
-          </a:stretch>
-        </p:blipFill>
-        <p:spPr>
-          <a:xfrm>
-            <a:off x="6198120" y="1920239"/>
-            <a:ext cx="1574280" cy="1498319"/>
-          </a:xfrm>
-          <a:prstGeom prst="rect">
-            <a:avLst/>
-          </a:prstGeom>
-          <a:noFill/>
-          <a:ln>
-            <a:noFill/>
-          </a:ln>
-        </p:spPr>
-      </p:pic>
-      <p:pic>
-        <p:nvPicPr>
-          <p:cNvPr id="8" name="Afbeelding 7"/>
-          <p:cNvPicPr>
-            <a:picLocks noChangeAspect="1"/>
-          </p:cNvPicPr>
-          <p:nvPr/>
-        </p:nvPicPr>
-        <p:blipFill>
-          <a:blip r:embed="rId4" cstate="print">
-            <a:lum/>
-            <a:alphaModFix/>
-          </a:blip>
-          <a:srcRect/>
-          <a:stretch>
-            <a:fillRect/>
-          </a:stretch>
-        </p:blipFill>
-        <p:spPr>
-          <a:xfrm>
-            <a:off x="4304646" y="1920239"/>
-            <a:ext cx="1574280" cy="1498319"/>
-          </a:xfrm>
-          <a:prstGeom prst="rect">
-            <a:avLst/>
-          </a:prstGeom>
-          <a:noFill/>
-          <a:ln>
-            <a:noFill/>
-          </a:ln>
-        </p:spPr>
-      </p:pic>
-      <p:pic>
-        <p:nvPicPr>
-          <p:cNvPr id="9" name="Afbeelding 8"/>
-          <p:cNvPicPr>
-            <a:picLocks noChangeAspect="1"/>
-          </p:cNvPicPr>
-          <p:nvPr/>
-        </p:nvPicPr>
-        <p:blipFill>
-          <a:blip r:embed="rId4" cstate="print">
-            <a:lum/>
-            <a:alphaModFix/>
-          </a:blip>
-          <a:srcRect/>
-          <a:stretch>
-            <a:fillRect/>
-          </a:stretch>
-        </p:blipFill>
-        <p:spPr>
-          <a:xfrm>
-            <a:off x="2384406" y="1920239"/>
-            <a:ext cx="1574280" cy="1498319"/>
-          </a:xfrm>
-          <a:prstGeom prst="rect">
-            <a:avLst/>
-          </a:prstGeom>
-          <a:noFill/>
-          <a:ln>
-            <a:noFill/>
-          </a:ln>
-        </p:spPr>
-      </p:pic>
-      <p:pic>
-        <p:nvPicPr>
-          <p:cNvPr id="10" name="Afbeelding 9"/>
-          <p:cNvPicPr>
-            <a:picLocks noChangeAspect="1"/>
-          </p:cNvPicPr>
-          <p:nvPr/>
-        </p:nvPicPr>
-        <p:blipFill>
-          <a:blip r:embed="rId4" cstate="print">
-            <a:lum/>
-            <a:alphaModFix/>
-          </a:blip>
-          <a:srcRect/>
-          <a:stretch>
-            <a:fillRect/>
-          </a:stretch>
-        </p:blipFill>
-        <p:spPr>
-          <a:xfrm>
-            <a:off x="555606" y="1920239"/>
-            <a:ext cx="1574280" cy="1498319"/>
-          </a:xfrm>
-          <a:prstGeom prst="rect">
-            <a:avLst/>
-          </a:prstGeom>
-          <a:noFill/>
-          <a:ln>
-            <a:noFill/>
-          </a:ln>
-        </p:spPr>
-      </p:pic>
       <p:sp>
         <p:nvSpPr>
           <p:cNvPr id="12" name="Titel 7"/>
@@ -24941,13 +24133,169 @@
           </a:p>
         </p:txBody>
       </p:sp>
+      <p:pic>
+        <p:nvPicPr>
+          <p:cNvPr id="2050" name="Picture 2" descr="C:\Users\Gerlinde\workspace\SilverSurfer\SilverSurferVerslag\Verslag Eindverslag\muur1.jpg"/>
+          <p:cNvPicPr>
+            <a:picLocks noChangeAspect="1" noChangeArrowheads="1"/>
+          </p:cNvPicPr>
+          <p:nvPr/>
+        </p:nvPicPr>
+        <p:blipFill>
+          <a:blip r:embed="rId4" cstate="print"/>
+          <a:srcRect/>
+          <a:stretch>
+            <a:fillRect/>
+          </a:stretch>
+        </p:blipFill>
+        <p:spPr bwMode="auto">
+          <a:xfrm>
+            <a:off x="771525" y="1952625"/>
+            <a:ext cx="1401294" cy="1494000"/>
+          </a:xfrm>
+          <a:prstGeom prst="rect">
+            <a:avLst/>
+          </a:prstGeom>
+          <a:noFill/>
+        </p:spPr>
+      </p:pic>
+      <p:pic>
+        <p:nvPicPr>
+          <p:cNvPr id="2051" name="Picture 3" descr="C:\Users\Gerlinde\workspace\SilverSurfer\SilverSurferVerslag\Verslag Eindverslag\muur2.jpg"/>
+          <p:cNvPicPr>
+            <a:picLocks noChangeAspect="1" noChangeArrowheads="1"/>
+          </p:cNvPicPr>
+          <p:nvPr/>
+        </p:nvPicPr>
+        <p:blipFill>
+          <a:blip r:embed="rId5" cstate="print"/>
+          <a:srcRect/>
+          <a:stretch>
+            <a:fillRect/>
+          </a:stretch>
+        </p:blipFill>
+        <p:spPr bwMode="auto">
+          <a:xfrm>
+            <a:off x="2600325" y="1952625"/>
+            <a:ext cx="1401294" cy="1494000"/>
+          </a:xfrm>
+          <a:prstGeom prst="rect">
+            <a:avLst/>
+          </a:prstGeom>
+          <a:noFill/>
+        </p:spPr>
+      </p:pic>
+      <p:pic>
+        <p:nvPicPr>
+          <p:cNvPr id="2052" name="Picture 4" descr="C:\Users\Gerlinde\workspace\SilverSurfer\SilverSurferVerslag\Verslag Eindverslag\muur3.jpg"/>
+          <p:cNvPicPr>
+            <a:picLocks noChangeAspect="1" noChangeArrowheads="1"/>
+          </p:cNvPicPr>
+          <p:nvPr/>
+        </p:nvPicPr>
+        <p:blipFill>
+          <a:blip r:embed="rId6" cstate="print"/>
+          <a:srcRect/>
+          <a:stretch>
+            <a:fillRect/>
+          </a:stretch>
+        </p:blipFill>
+        <p:spPr bwMode="auto">
+          <a:xfrm>
+            <a:off x="4429125" y="1952625"/>
+            <a:ext cx="1401294" cy="1494000"/>
+          </a:xfrm>
+          <a:prstGeom prst="rect">
+            <a:avLst/>
+          </a:prstGeom>
+          <a:noFill/>
+        </p:spPr>
+      </p:pic>
+      <p:pic>
+        <p:nvPicPr>
+          <p:cNvPr id="2053" name="Picture 5" descr="C:\Users\Gerlinde\workspace\SilverSurfer\SilverSurferVerslag\Verslag Eindverslag\muur4.jpg"/>
+          <p:cNvPicPr>
+            <a:picLocks noChangeAspect="1" noChangeArrowheads="1"/>
+          </p:cNvPicPr>
+          <p:nvPr/>
+        </p:nvPicPr>
+        <p:blipFill>
+          <a:blip r:embed="rId7" cstate="print"/>
+          <a:srcRect/>
+          <a:stretch>
+            <a:fillRect/>
+          </a:stretch>
+        </p:blipFill>
+        <p:spPr bwMode="auto">
+          <a:xfrm>
+            <a:off x="6257925" y="1952625"/>
+            <a:ext cx="1401294" cy="1494000"/>
+          </a:xfrm>
+          <a:prstGeom prst="rect">
+            <a:avLst/>
+          </a:prstGeom>
+          <a:noFill/>
+        </p:spPr>
+      </p:pic>
+      <p:pic>
+        <p:nvPicPr>
+          <p:cNvPr id="2054" name="Picture 6" descr="C:\Users\Gerlinde\workspace\SilverSurfer\SilverSurferVerslag\Verslag Eindverslag\muur5.jpg"/>
+          <p:cNvPicPr>
+            <a:picLocks noChangeAspect="1" noChangeArrowheads="1"/>
+          </p:cNvPicPr>
+          <p:nvPr/>
+        </p:nvPicPr>
+        <p:blipFill>
+          <a:blip r:embed="rId8" cstate="print"/>
+          <a:srcRect/>
+          <a:stretch>
+            <a:fillRect/>
+          </a:stretch>
+        </p:blipFill>
+        <p:spPr bwMode="auto">
+          <a:xfrm>
+            <a:off x="8010525" y="1952625"/>
+            <a:ext cx="1401294" cy="1494000"/>
+          </a:xfrm>
+          <a:prstGeom prst="rect">
+            <a:avLst/>
+          </a:prstGeom>
+          <a:noFill/>
+        </p:spPr>
+      </p:pic>
+      <p:pic>
+        <p:nvPicPr>
+          <p:cNvPr id="2055" name="Picture 7" descr="C:\Users\Gerlinde\workspace\SilverSurfer\SilverSurferVerslag\Verslag Eindverslag\muur6.jpg"/>
+          <p:cNvPicPr>
+            <a:picLocks noChangeAspect="1" noChangeArrowheads="1"/>
+          </p:cNvPicPr>
+          <p:nvPr/>
+        </p:nvPicPr>
+        <p:blipFill>
+          <a:blip r:embed="rId9" cstate="print"/>
+          <a:srcRect/>
+          <a:stretch>
+            <a:fillRect/>
+          </a:stretch>
+        </p:blipFill>
+        <p:spPr bwMode="auto">
+          <a:xfrm>
+            <a:off x="771525" y="3705225"/>
+            <a:ext cx="1401294" cy="1494000"/>
+          </a:xfrm>
+          <a:prstGeom prst="rect">
+            <a:avLst/>
+          </a:prstGeom>
+          <a:noFill/>
+        </p:spPr>
+      </p:pic>
     </p:spTree>
   </p:cSld>
   <p:clrMapOvr>
     <a:masterClrMapping/>
   </p:clrMapOvr>
   <mc:AlternateContent xmlns:mc="http://schemas.openxmlformats.org/markup-compatibility/2006">
-    <mc:Choice xmlns="" xmlns:p14="http://schemas.microsoft.com/office/powerpoint/2010/main" Requires="p14">
+    <mc:Choice xmlns:p14="http://schemas.microsoft.com/office/powerpoint/2010/main" xmlns="" Requires="p14">
       <p:transition spd="med" p14:dur="700">
         <p:fade/>
       </p:transition>
@@ -24992,235 +24340,6 @@
                                           </p:stCondLst>
                                         </p:cTn>
                                         <p:tgtEl>
-                                          <p:spTgt spid="10"/>
-                                        </p:tgtEl>
-                                        <p:attrNameLst>
-                                          <p:attrName>style.visibility</p:attrName>
-                                        </p:attrNameLst>
-                                      </p:cBhvr>
-                                      <p:to>
-                                        <p:strVal val="visible"/>
-                                      </p:to>
-                                    </p:set>
-                                    <p:animEffect transition="in" filter="fade">
-                                      <p:cBhvr>
-                                        <p:cTn id="7" dur="500"/>
-                                        <p:tgtEl>
-                                          <p:spTgt spid="10"/>
-                                        </p:tgtEl>
-                                      </p:cBhvr>
-                                    </p:animEffect>
-                                  </p:childTnLst>
-                                </p:cTn>
-                              </p:par>
-                            </p:childTnLst>
-                          </p:cTn>
-                        </p:par>
-                        <p:par>
-                          <p:cTn id="8" fill="hold">
-                            <p:stCondLst>
-                              <p:cond delay="500"/>
-                            </p:stCondLst>
-                            <p:childTnLst>
-                              <p:par>
-                                <p:cTn id="9" presetID="10" presetClass="entr" presetSubtype="0" fill="hold" nodeType="afterEffect">
-                                  <p:stCondLst>
-                                    <p:cond delay="0"/>
-                                  </p:stCondLst>
-                                  <p:childTnLst>
-                                    <p:set>
-                                      <p:cBhvr>
-                                        <p:cTn id="10" dur="1" fill="hold">
-                                          <p:stCondLst>
-                                            <p:cond delay="0"/>
-                                          </p:stCondLst>
-                                        </p:cTn>
-                                        <p:tgtEl>
-                                          <p:spTgt spid="9"/>
-                                        </p:tgtEl>
-                                        <p:attrNameLst>
-                                          <p:attrName>style.visibility</p:attrName>
-                                        </p:attrNameLst>
-                                      </p:cBhvr>
-                                      <p:to>
-                                        <p:strVal val="visible"/>
-                                      </p:to>
-                                    </p:set>
-                                    <p:animEffect transition="in" filter="fade">
-                                      <p:cBhvr>
-                                        <p:cTn id="11" dur="500"/>
-                                        <p:tgtEl>
-                                          <p:spTgt spid="9"/>
-                                        </p:tgtEl>
-                                      </p:cBhvr>
-                                    </p:animEffect>
-                                  </p:childTnLst>
-                                </p:cTn>
-                              </p:par>
-                            </p:childTnLst>
-                          </p:cTn>
-                        </p:par>
-                        <p:par>
-                          <p:cTn id="12" fill="hold">
-                            <p:stCondLst>
-                              <p:cond delay="1000"/>
-                            </p:stCondLst>
-                            <p:childTnLst>
-                              <p:par>
-                                <p:cTn id="13" presetID="10" presetClass="entr" presetSubtype="0" fill="hold" nodeType="afterEffect">
-                                  <p:stCondLst>
-                                    <p:cond delay="0"/>
-                                  </p:stCondLst>
-                                  <p:childTnLst>
-                                    <p:set>
-                                      <p:cBhvr>
-                                        <p:cTn id="14" dur="1" fill="hold">
-                                          <p:stCondLst>
-                                            <p:cond delay="0"/>
-                                          </p:stCondLst>
-                                        </p:cTn>
-                                        <p:tgtEl>
-                                          <p:spTgt spid="8"/>
-                                        </p:tgtEl>
-                                        <p:attrNameLst>
-                                          <p:attrName>style.visibility</p:attrName>
-                                        </p:attrNameLst>
-                                      </p:cBhvr>
-                                      <p:to>
-                                        <p:strVal val="visible"/>
-                                      </p:to>
-                                    </p:set>
-                                    <p:animEffect transition="in" filter="fade">
-                                      <p:cBhvr>
-                                        <p:cTn id="15" dur="500"/>
-                                        <p:tgtEl>
-                                          <p:spTgt spid="8"/>
-                                        </p:tgtEl>
-                                      </p:cBhvr>
-                                    </p:animEffect>
-                                  </p:childTnLst>
-                                </p:cTn>
-                              </p:par>
-                            </p:childTnLst>
-                          </p:cTn>
-                        </p:par>
-                        <p:par>
-                          <p:cTn id="16" fill="hold">
-                            <p:stCondLst>
-                              <p:cond delay="1500"/>
-                            </p:stCondLst>
-                            <p:childTnLst>
-                              <p:par>
-                                <p:cTn id="17" presetID="10" presetClass="entr" presetSubtype="0" fill="hold" nodeType="afterEffect">
-                                  <p:stCondLst>
-                                    <p:cond delay="0"/>
-                                  </p:stCondLst>
-                                  <p:childTnLst>
-                                    <p:set>
-                                      <p:cBhvr>
-                                        <p:cTn id="18" dur="1" fill="hold">
-                                          <p:stCondLst>
-                                            <p:cond delay="0"/>
-                                          </p:stCondLst>
-                                        </p:cTn>
-                                        <p:tgtEl>
-                                          <p:spTgt spid="7"/>
-                                        </p:tgtEl>
-                                        <p:attrNameLst>
-                                          <p:attrName>style.visibility</p:attrName>
-                                        </p:attrNameLst>
-                                      </p:cBhvr>
-                                      <p:to>
-                                        <p:strVal val="visible"/>
-                                      </p:to>
-                                    </p:set>
-                                    <p:animEffect transition="in" filter="fade">
-                                      <p:cBhvr>
-                                        <p:cTn id="19" dur="500"/>
-                                        <p:tgtEl>
-                                          <p:spTgt spid="7"/>
-                                        </p:tgtEl>
-                                      </p:cBhvr>
-                                    </p:animEffect>
-                                  </p:childTnLst>
-                                </p:cTn>
-                              </p:par>
-                            </p:childTnLst>
-                          </p:cTn>
-                        </p:par>
-                        <p:par>
-                          <p:cTn id="20" fill="hold">
-                            <p:stCondLst>
-                              <p:cond delay="2000"/>
-                            </p:stCondLst>
-                            <p:childTnLst>
-                              <p:par>
-                                <p:cTn id="21" presetID="10" presetClass="entr" presetSubtype="0" fill="hold" nodeType="afterEffect">
-                                  <p:stCondLst>
-                                    <p:cond delay="0"/>
-                                  </p:stCondLst>
-                                  <p:childTnLst>
-                                    <p:set>
-                                      <p:cBhvr>
-                                        <p:cTn id="22" dur="1" fill="hold">
-                                          <p:stCondLst>
-                                            <p:cond delay="0"/>
-                                          </p:stCondLst>
-                                        </p:cTn>
-                                        <p:tgtEl>
-                                          <p:spTgt spid="6"/>
-                                        </p:tgtEl>
-                                        <p:attrNameLst>
-                                          <p:attrName>style.visibility</p:attrName>
-                                        </p:attrNameLst>
-                                      </p:cBhvr>
-                                      <p:to>
-                                        <p:strVal val="visible"/>
-                                      </p:to>
-                                    </p:set>
-                                    <p:animEffect transition="in" filter="fade">
-                                      <p:cBhvr>
-                                        <p:cTn id="23" dur="500"/>
-                                        <p:tgtEl>
-                                          <p:spTgt spid="6"/>
-                                        </p:tgtEl>
-                                      </p:cBhvr>
-                                    </p:animEffect>
-                                  </p:childTnLst>
-                                </p:cTn>
-                              </p:par>
-                            </p:childTnLst>
-                          </p:cTn>
-                        </p:par>
-                      </p:childTnLst>
-                    </p:cTn>
-                  </p:par>
-                  <p:par>
-                    <p:cTn id="24" fill="hold">
-                      <p:stCondLst>
-                        <p:cond delay="indefinite"/>
-                      </p:stCondLst>
-                      <p:childTnLst>
-                        <p:par>
-                          <p:cTn id="25" fill="hold">
-                            <p:stCondLst>
-                              <p:cond delay="0"/>
-                            </p:stCondLst>
-                            <p:childTnLst>
-                              <p:par>
-                                <p:cTn id="26" presetID="10" presetClass="entr" presetSubtype="0" fill="hold" nodeType="clickEffect">
-                                  <p:stCondLst>
-                                    <p:cond delay="0"/>
-                                  </p:stCondLst>
-                                  <p:childTnLst>
-                                    <p:set>
-                                      <p:cBhvr>
-                                        <p:cTn id="27" dur="1" fill="hold">
-                                          <p:stCondLst>
-                                            <p:cond delay="0"/>
-                                          </p:stCondLst>
-                                        </p:cTn>
-                                        <p:tgtEl>
                                           <p:spTgt spid="5">
                                             <p:txEl>
                                               <p:pRg st="0" end="0"/>
@@ -25237,7 +24356,7 @@
                                     </p:set>
                                     <p:animEffect transition="in" filter="fade">
                                       <p:cBhvr>
-                                        <p:cTn id="28" dur="500"/>
+                                        <p:cTn id="7" dur="500"/>
                                         <p:tgtEl>
                                           <p:spTgt spid="5">
                                             <p:txEl>
@@ -25257,26 +24376,26 @@
                     </p:cTn>
                   </p:par>
                   <p:par>
-                    <p:cTn id="29" fill="hold">
+                    <p:cTn id="8" fill="hold">
                       <p:stCondLst>
                         <p:cond delay="indefinite"/>
                       </p:stCondLst>
                       <p:childTnLst>
                         <p:par>
-                          <p:cTn id="30" fill="hold">
+                          <p:cTn id="9" fill="hold">
                             <p:stCondLst>
                               <p:cond delay="0"/>
                             </p:stCondLst>
                             <p:childTnLst>
                               <p:par>
-                                <p:cTn id="31" presetID="10" presetClass="entr" presetSubtype="0" fill="hold" nodeType="clickEffect">
+                                <p:cTn id="10" presetID="10" presetClass="entr" presetSubtype="0" fill="hold" nodeType="clickEffect">
                                   <p:stCondLst>
                                     <p:cond delay="0"/>
                                   </p:stCondLst>
                                   <p:childTnLst>
                                     <p:set>
                                       <p:cBhvr>
-                                        <p:cTn id="32" dur="1" fill="hold">
+                                        <p:cTn id="11" dur="1" fill="hold">
                                           <p:stCondLst>
                                             <p:cond delay="0"/>
                                           </p:stCondLst>
@@ -25298,7 +24417,7 @@
                                     </p:set>
                                     <p:animEffect transition="in" filter="fade">
                                       <p:cBhvr>
-                                        <p:cTn id="33" dur="500"/>
+                                        <p:cTn id="12" dur="500"/>
                                         <p:tgtEl>
                                           <p:spTgt spid="5">
                                             <p:txEl>
@@ -26159,7 +25278,7 @@
     <a:masterClrMapping/>
   </p:clrMapOvr>
   <mc:AlternateContent xmlns:mc="http://schemas.openxmlformats.org/markup-compatibility/2006">
-    <mc:Choice xmlns="" xmlns:p14="http://schemas.microsoft.com/office/powerpoint/2010/main" Requires="p14">
+    <mc:Choice xmlns:p14="http://schemas.microsoft.com/office/powerpoint/2010/main" xmlns="" Requires="p14">
       <p:transition spd="med" p14:dur="700">
         <p:fade/>
       </p:transition>
@@ -27857,7 +26976,7 @@
     <a:masterClrMapping/>
   </p:clrMapOvr>
   <mc:AlternateContent xmlns:mc="http://schemas.openxmlformats.org/markup-compatibility/2006">
-    <mc:Choice xmlns="" xmlns:p14="http://schemas.microsoft.com/office/powerpoint/2010/main" Requires="p14">
+    <mc:Choice xmlns:p14="http://schemas.microsoft.com/office/powerpoint/2010/main" xmlns="" Requires="p14">
       <p:transition spd="med" p14:dur="700">
         <p:fade/>
       </p:transition>
